--- a/powerpoint/프로젝트 개요 및 추진 목적.pptx
+++ b/powerpoint/프로젝트 개요 및 추진 목적.pptx
@@ -109,6 +109,14 @@
       </a:defRPr>
     </a:lvl9pPr>
   </p:defaultTextStyle>
+  <p:extLst>
+    <p:ext uri="{EFAFB233-063F-42B5-8137-9DF3F51BA10A}">
+      <p15:sldGuideLst xmlns:p15="http://schemas.microsoft.com/office/powerpoint/2012/main"/>
+    </p:ext>
+    <p:ext uri="{2D200454-40CA-4A62-9FC3-DE9A4176ACB9}">
+      <p15:notesGuideLst xmlns:p15="http://schemas.microsoft.com/office/powerpoint/2012/main"/>
+    </p:ext>
+  </p:extLst>
 </p:presentation>
 </file>
 
@@ -194,7 +202,7 @@
           <a:p>
             <a:fld id="{020C9A9D-8325-4BC4-B9DB-4A59D5B18EB4}" type="datetimeFigureOut">
               <a:rPr lang="ko-KR" altLang="en-US" smtClean="0"/>
-              <a:t>2025-04-09(Wed)</a:t>
+              <a:t>2025-04-10(Thu)</a:t>
             </a:fld>
             <a:endParaRPr lang="ko-KR" altLang="en-US"/>
           </a:p>
@@ -770,7 +778,7 @@
           <a:p>
             <a:fld id="{9B2E70C5-D8A3-4A82-A4D2-6FAA7EF382E8}" type="datetimeFigureOut">
               <a:rPr lang="ko-KR" altLang="en-US" smtClean="0"/>
-              <a:t>2025-04-09(Wed)</a:t>
+              <a:t>2025-04-10(Thu)</a:t>
             </a:fld>
             <a:endParaRPr lang="ko-KR" altLang="en-US"/>
           </a:p>
@@ -940,7 +948,7 @@
           <a:p>
             <a:fld id="{9B2E70C5-D8A3-4A82-A4D2-6FAA7EF382E8}" type="datetimeFigureOut">
               <a:rPr lang="ko-KR" altLang="en-US" smtClean="0"/>
-              <a:t>2025-04-09(Wed)</a:t>
+              <a:t>2025-04-10(Thu)</a:t>
             </a:fld>
             <a:endParaRPr lang="ko-KR" altLang="en-US"/>
           </a:p>
@@ -1120,7 +1128,7 @@
           <a:p>
             <a:fld id="{9B2E70C5-D8A3-4A82-A4D2-6FAA7EF382E8}" type="datetimeFigureOut">
               <a:rPr lang="ko-KR" altLang="en-US" smtClean="0"/>
-              <a:t>2025-04-09(Wed)</a:t>
+              <a:t>2025-04-10(Thu)</a:t>
             </a:fld>
             <a:endParaRPr lang="ko-KR" altLang="en-US"/>
           </a:p>
@@ -1290,7 +1298,7 @@
           <a:p>
             <a:fld id="{9B2E70C5-D8A3-4A82-A4D2-6FAA7EF382E8}" type="datetimeFigureOut">
               <a:rPr lang="ko-KR" altLang="en-US" smtClean="0"/>
-              <a:t>2025-04-09(Wed)</a:t>
+              <a:t>2025-04-10(Thu)</a:t>
             </a:fld>
             <a:endParaRPr lang="ko-KR" altLang="en-US"/>
           </a:p>
@@ -1534,7 +1542,7 @@
           <a:p>
             <a:fld id="{9B2E70C5-D8A3-4A82-A4D2-6FAA7EF382E8}" type="datetimeFigureOut">
               <a:rPr lang="ko-KR" altLang="en-US" smtClean="0"/>
-              <a:t>2025-04-09(Wed)</a:t>
+              <a:t>2025-04-10(Thu)</a:t>
             </a:fld>
             <a:endParaRPr lang="ko-KR" altLang="en-US"/>
           </a:p>
@@ -1766,7 +1774,7 @@
           <a:p>
             <a:fld id="{9B2E70C5-D8A3-4A82-A4D2-6FAA7EF382E8}" type="datetimeFigureOut">
               <a:rPr lang="ko-KR" altLang="en-US" smtClean="0"/>
-              <a:t>2025-04-09(Wed)</a:t>
+              <a:t>2025-04-10(Thu)</a:t>
             </a:fld>
             <a:endParaRPr lang="ko-KR" altLang="en-US"/>
           </a:p>
@@ -2133,7 +2141,7 @@
           <a:p>
             <a:fld id="{9B2E70C5-D8A3-4A82-A4D2-6FAA7EF382E8}" type="datetimeFigureOut">
               <a:rPr lang="ko-KR" altLang="en-US" smtClean="0"/>
-              <a:t>2025-04-09(Wed)</a:t>
+              <a:t>2025-04-10(Thu)</a:t>
             </a:fld>
             <a:endParaRPr lang="ko-KR" altLang="en-US"/>
           </a:p>
@@ -2251,7 +2259,7 @@
           <a:p>
             <a:fld id="{9B2E70C5-D8A3-4A82-A4D2-6FAA7EF382E8}" type="datetimeFigureOut">
               <a:rPr lang="ko-KR" altLang="en-US" smtClean="0"/>
-              <a:t>2025-04-09(Wed)</a:t>
+              <a:t>2025-04-10(Thu)</a:t>
             </a:fld>
             <a:endParaRPr lang="ko-KR" altLang="en-US"/>
           </a:p>
@@ -2346,7 +2354,7 @@
           <a:p>
             <a:fld id="{9B2E70C5-D8A3-4A82-A4D2-6FAA7EF382E8}" type="datetimeFigureOut">
               <a:rPr lang="ko-KR" altLang="en-US" smtClean="0"/>
-              <a:t>2025-04-09(Wed)</a:t>
+              <a:t>2025-04-10(Thu)</a:t>
             </a:fld>
             <a:endParaRPr lang="ko-KR" altLang="en-US"/>
           </a:p>
@@ -2623,7 +2631,7 @@
           <a:p>
             <a:fld id="{9B2E70C5-D8A3-4A82-A4D2-6FAA7EF382E8}" type="datetimeFigureOut">
               <a:rPr lang="ko-KR" altLang="en-US" smtClean="0"/>
-              <a:t>2025-04-09(Wed)</a:t>
+              <a:t>2025-04-10(Thu)</a:t>
             </a:fld>
             <a:endParaRPr lang="ko-KR" altLang="en-US"/>
           </a:p>
@@ -2880,7 +2888,7 @@
           <a:p>
             <a:fld id="{9B2E70C5-D8A3-4A82-A4D2-6FAA7EF382E8}" type="datetimeFigureOut">
               <a:rPr lang="ko-KR" altLang="en-US" smtClean="0"/>
-              <a:t>2025-04-09(Wed)</a:t>
+              <a:t>2025-04-10(Thu)</a:t>
             </a:fld>
             <a:endParaRPr lang="ko-KR" altLang="en-US"/>
           </a:p>
@@ -3093,7 +3101,7 @@
           <a:p>
             <a:fld id="{9B2E70C5-D8A3-4A82-A4D2-6FAA7EF382E8}" type="datetimeFigureOut">
               <a:rPr lang="ko-KR" altLang="en-US" smtClean="0"/>
-              <a:t>2025-04-09(Wed)</a:t>
+              <a:t>2025-04-10(Thu)</a:t>
             </a:fld>
             <a:endParaRPr lang="ko-KR" altLang="en-US"/>
           </a:p>
@@ -3524,7 +3532,7 @@
         <p:spPr>
           <a:xfrm>
             <a:off x="0" y="0"/>
-            <a:ext cx="6858000" cy="12372618"/>
+            <a:ext cx="6858000" cy="11541621"/>
           </a:xfrm>
           <a:prstGeom prst="rect">
             <a:avLst/>
@@ -3542,23 +3550,23 @@
             </a:pPr>
             <a:r>
               <a:rPr lang="ko-KR" altLang="en-US" sz="2400" dirty="0">
-                <a:latin typeface="+mj-ea"/>
-                <a:ea typeface="+mj-ea"/>
+                <a:latin typeface="나눔스퀘어OTF" panose="020B0600000101010101" pitchFamily="34" charset="-127"/>
+                <a:ea typeface="나눔스퀘어OTF" panose="020B0600000101010101" pitchFamily="34" charset="-127"/>
                 <a:cs typeface="Microsoft Himalaya" panose="01010100010101010101" pitchFamily="2" charset="0"/>
               </a:rPr>
               <a:t>📌</a:t>
             </a:r>
             <a:r>
               <a:rPr lang="ko-KR" altLang="en-US" sz="2400" b="1" dirty="0">
-                <a:latin typeface="+mj-ea"/>
-                <a:ea typeface="+mj-ea"/>
+                <a:latin typeface="나눔스퀘어OTF" panose="020B0600000101010101" pitchFamily="34" charset="-127"/>
+                <a:ea typeface="나눔스퀘어OTF" panose="020B0600000101010101" pitchFamily="34" charset="-127"/>
                 <a:cs typeface="Microsoft Himalaya" panose="01010100010101010101" pitchFamily="2" charset="0"/>
               </a:rPr>
               <a:t>프로젝트 배경 및 문제 인식</a:t>
             </a:r>
             <a:endParaRPr lang="en-US" altLang="ko-KR" sz="2400" b="1" dirty="0">
-              <a:latin typeface="+mj-ea"/>
-              <a:ea typeface="+mj-ea"/>
+              <a:latin typeface="나눔스퀘어OTF" panose="020B0600000101010101" pitchFamily="34" charset="-127"/>
+              <a:ea typeface="나눔스퀘어OTF" panose="020B0600000101010101" pitchFamily="34" charset="-127"/>
               <a:cs typeface="Microsoft Himalaya" panose="01010100010101010101" pitchFamily="2" charset="0"/>
             </a:endParaRPr>
           </a:p>
@@ -3567,8 +3575,8 @@
               <a:buNone/>
             </a:pPr>
             <a:endParaRPr lang="ko-KR" altLang="en-US" b="1" dirty="0">
-              <a:latin typeface="+mj-ea"/>
-              <a:ea typeface="+mj-ea"/>
+              <a:latin typeface="나눔스퀘어OTF" panose="020B0600000101010101" pitchFamily="34" charset="-127"/>
+              <a:ea typeface="나눔스퀘어OTF" panose="020B0600000101010101" pitchFamily="34" charset="-127"/>
               <a:cs typeface="Microsoft Himalaya" panose="01010100010101010101" pitchFamily="2" charset="0"/>
             </a:endParaRPr>
           </a:p>
@@ -3578,47 +3586,47 @@
             </a:pPr>
             <a:r>
               <a:rPr lang="ko-KR" altLang="en-US" dirty="0">
-                <a:latin typeface="+mj-ea"/>
-                <a:ea typeface="+mj-ea"/>
+                <a:latin typeface="나눔스퀘어OTF" panose="020B0600000101010101" pitchFamily="34" charset="-127"/>
+                <a:ea typeface="나눔스퀘어OTF" panose="020B0600000101010101" pitchFamily="34" charset="-127"/>
                 <a:cs typeface="Microsoft Himalaya" panose="01010100010101010101" pitchFamily="2" charset="0"/>
               </a:rPr>
               <a:t>현재 고객 응대 현장에서는</a:t>
             </a:r>
             <a:br>
               <a:rPr lang="ko-KR" altLang="en-US" dirty="0">
-                <a:latin typeface="+mj-ea"/>
-                <a:ea typeface="+mj-ea"/>
+                <a:latin typeface="나눔스퀘어OTF" panose="020B0600000101010101" pitchFamily="34" charset="-127"/>
+                <a:ea typeface="나눔스퀘어OTF" panose="020B0600000101010101" pitchFamily="34" charset="-127"/>
                 <a:cs typeface="Microsoft Himalaya" panose="01010100010101010101" pitchFamily="2" charset="0"/>
               </a:rPr>
             </a:br>
             <a:r>
               <a:rPr lang="ko-KR" altLang="en-US" dirty="0">
-                <a:latin typeface="+mj-ea"/>
-                <a:ea typeface="+mj-ea"/>
+                <a:latin typeface="나눔스퀘어OTF" panose="020B0600000101010101" pitchFamily="34" charset="-127"/>
+                <a:ea typeface="나눔스퀘어OTF" panose="020B0600000101010101" pitchFamily="34" charset="-127"/>
                 <a:cs typeface="Microsoft Himalaya" panose="01010100010101010101" pitchFamily="2" charset="0"/>
               </a:rPr>
               <a:t>상담원이 직접 엑셀 또는 내부 문서에 정리된 </a:t>
             </a:r>
             <a:r>
               <a:rPr lang="en-US" altLang="ko-KR" dirty="0">
-                <a:latin typeface="+mj-ea"/>
-                <a:ea typeface="+mj-ea"/>
+                <a:latin typeface="나눔스퀘어OTF" panose="020B0600000101010101" pitchFamily="34" charset="-127"/>
+                <a:ea typeface="나눔스퀘어OTF" panose="020B0600000101010101" pitchFamily="34" charset="-127"/>
                 <a:cs typeface="Microsoft Himalaya" panose="01010100010101010101" pitchFamily="2" charset="0"/>
               </a:rPr>
               <a:t>FAQ </a:t>
             </a:r>
             <a:r>
               <a:rPr lang="ko-KR" altLang="en-US" dirty="0">
-                <a:latin typeface="+mj-ea"/>
-                <a:ea typeface="+mj-ea"/>
+                <a:latin typeface="나눔스퀘어OTF" panose="020B0600000101010101" pitchFamily="34" charset="-127"/>
+                <a:ea typeface="나눔스퀘어OTF" panose="020B0600000101010101" pitchFamily="34" charset="-127"/>
                 <a:cs typeface="Microsoft Himalaya" panose="01010100010101010101" pitchFamily="2" charset="0"/>
               </a:rPr>
               <a:t>데이터를 일일이 검색하여 고객의 질문에 답변하고 있으며</a:t>
             </a:r>
             <a:r>
               <a:rPr lang="en-US" altLang="ko-KR" dirty="0">
-                <a:latin typeface="+mj-ea"/>
-                <a:ea typeface="+mj-ea"/>
+                <a:latin typeface="나눔스퀘어OTF" panose="020B0600000101010101" pitchFamily="34" charset="-127"/>
+                <a:ea typeface="나눔스퀘어OTF" panose="020B0600000101010101" pitchFamily="34" charset="-127"/>
                 <a:cs typeface="Microsoft Himalaya" panose="01010100010101010101" pitchFamily="2" charset="0"/>
               </a:rPr>
               <a:t> </a:t>
@@ -3629,8 +3637,8 @@
               <a:buNone/>
             </a:pPr>
             <a:endParaRPr lang="en-US" altLang="ko-KR" dirty="0">
-              <a:latin typeface="+mj-ea"/>
-              <a:ea typeface="+mj-ea"/>
+              <a:latin typeface="나눔스퀘어OTF" panose="020B0600000101010101" pitchFamily="34" charset="-127"/>
+              <a:ea typeface="나눔스퀘어OTF" panose="020B0600000101010101" pitchFamily="34" charset="-127"/>
               <a:cs typeface="Microsoft Himalaya" panose="01010100010101010101" pitchFamily="2" charset="0"/>
             </a:endParaRPr>
           </a:p>
@@ -3640,15 +3648,15 @@
             </a:pPr>
             <a:r>
               <a:rPr lang="ko-KR" altLang="en-US" dirty="0">
-                <a:latin typeface="+mj-ea"/>
-                <a:ea typeface="+mj-ea"/>
+                <a:latin typeface="나눔스퀘어OTF" panose="020B0600000101010101" pitchFamily="34" charset="-127"/>
+                <a:ea typeface="나눔스퀘어OTF" panose="020B0600000101010101" pitchFamily="34" charset="-127"/>
                 <a:cs typeface="Microsoft Himalaya" panose="01010100010101010101" pitchFamily="2" charset="0"/>
               </a:rPr>
               <a:t>상담원 개개인이  본인의 업무 성향에 따라 </a:t>
             </a:r>
             <a:endParaRPr lang="en-US" altLang="ko-KR" dirty="0">
-              <a:latin typeface="+mj-ea"/>
-              <a:ea typeface="+mj-ea"/>
+              <a:latin typeface="나눔스퀘어OTF" panose="020B0600000101010101" pitchFamily="34" charset="-127"/>
+              <a:ea typeface="나눔스퀘어OTF" panose="020B0600000101010101" pitchFamily="34" charset="-127"/>
               <a:cs typeface="Microsoft Himalaya" panose="01010100010101010101" pitchFamily="2" charset="0"/>
             </a:endParaRPr>
           </a:p>
@@ -3658,31 +3666,31 @@
             </a:pPr>
             <a:r>
               <a:rPr lang="ko-KR" altLang="en-US" dirty="0">
-                <a:latin typeface="+mj-ea"/>
-                <a:ea typeface="+mj-ea"/>
+                <a:latin typeface="나눔스퀘어OTF" panose="020B0600000101010101" pitchFamily="34" charset="-127"/>
+                <a:ea typeface="나눔스퀘어OTF" panose="020B0600000101010101" pitchFamily="34" charset="-127"/>
                 <a:cs typeface="Microsoft Himalaya" panose="01010100010101010101" pitchFamily="2" charset="0"/>
               </a:rPr>
               <a:t>메모장 등을 활용하여</a:t>
             </a:r>
             <a:r>
               <a:rPr lang="en-US" altLang="ko-KR" dirty="0">
-                <a:latin typeface="+mj-ea"/>
-                <a:ea typeface="+mj-ea"/>
+                <a:latin typeface="나눔스퀘어OTF" panose="020B0600000101010101" pitchFamily="34" charset="-127"/>
+                <a:ea typeface="나눔스퀘어OTF" panose="020B0600000101010101" pitchFamily="34" charset="-127"/>
                 <a:cs typeface="Microsoft Himalaya" panose="01010100010101010101" pitchFamily="2" charset="0"/>
               </a:rPr>
               <a:t>,</a:t>
             </a:r>
             <a:r>
               <a:rPr lang="ko-KR" altLang="en-US" dirty="0">
-                <a:latin typeface="+mj-ea"/>
-                <a:ea typeface="+mj-ea"/>
+                <a:latin typeface="나눔스퀘어OTF" panose="020B0600000101010101" pitchFamily="34" charset="-127"/>
+                <a:ea typeface="나눔스퀘어OTF" panose="020B0600000101010101" pitchFamily="34" charset="-127"/>
                 <a:cs typeface="Microsoft Himalaya" panose="01010100010101010101" pitchFamily="2" charset="0"/>
               </a:rPr>
               <a:t>개인만의 응대 환경을 만들어 </a:t>
             </a:r>
             <a:endParaRPr lang="en-US" altLang="ko-KR" dirty="0">
-              <a:latin typeface="+mj-ea"/>
-              <a:ea typeface="+mj-ea"/>
+              <a:latin typeface="나눔스퀘어OTF" panose="020B0600000101010101" pitchFamily="34" charset="-127"/>
+              <a:ea typeface="나눔스퀘어OTF" panose="020B0600000101010101" pitchFamily="34" charset="-127"/>
               <a:cs typeface="Microsoft Himalaya" panose="01010100010101010101" pitchFamily="2" charset="0"/>
             </a:endParaRPr>
           </a:p>
@@ -3692,32 +3700,32 @@
             </a:pPr>
             <a:r>
               <a:rPr lang="ko-KR" altLang="en-US" dirty="0">
-                <a:latin typeface="+mj-ea"/>
-                <a:ea typeface="+mj-ea"/>
+                <a:latin typeface="나눔스퀘어OTF" panose="020B0600000101010101" pitchFamily="34" charset="-127"/>
+                <a:ea typeface="나눔스퀘어OTF" panose="020B0600000101010101" pitchFamily="34" charset="-127"/>
                 <a:cs typeface="Microsoft Himalaya" panose="01010100010101010101" pitchFamily="2" charset="0"/>
               </a:rPr>
               <a:t>일관성 있는 상담으로 이어지거나 </a:t>
             </a:r>
             <a:r>
               <a:rPr lang="en-US" altLang="ko-KR" dirty="0">
-                <a:latin typeface="+mj-ea"/>
-                <a:ea typeface="+mj-ea"/>
+                <a:latin typeface="나눔스퀘어OTF" panose="020B0600000101010101" pitchFamily="34" charset="-127"/>
+                <a:ea typeface="나눔스퀘어OTF" panose="020B0600000101010101" pitchFamily="34" charset="-127"/>
                 <a:cs typeface="Microsoft Himalaya" panose="01010100010101010101" pitchFamily="2" charset="0"/>
               </a:rPr>
               <a:t>,</a:t>
             </a:r>
             <a:r>
               <a:rPr lang="ko-KR" altLang="en-US" dirty="0">
-                <a:latin typeface="+mj-ea"/>
-                <a:ea typeface="+mj-ea"/>
+                <a:latin typeface="나눔스퀘어OTF" panose="020B0600000101010101" pitchFamily="34" charset="-127"/>
+                <a:ea typeface="나눔스퀘어OTF" panose="020B0600000101010101" pitchFamily="34" charset="-127"/>
                 <a:cs typeface="Microsoft Himalaya" panose="01010100010101010101" pitchFamily="2" charset="0"/>
               </a:rPr>
               <a:t>공유되지 못할 가능성이 있습니다</a:t>
             </a:r>
             <a:r>
               <a:rPr lang="en-US" altLang="ko-KR" dirty="0">
-                <a:latin typeface="+mj-ea"/>
-                <a:ea typeface="+mj-ea"/>
+                <a:latin typeface="나눔스퀘어OTF" panose="020B0600000101010101" pitchFamily="34" charset="-127"/>
+                <a:ea typeface="나눔스퀘어OTF" panose="020B0600000101010101" pitchFamily="34" charset="-127"/>
                 <a:cs typeface="Microsoft Himalaya" panose="01010100010101010101" pitchFamily="2" charset="0"/>
               </a:rPr>
               <a:t>.</a:t>
@@ -3728,8 +3736,8 @@
               <a:buNone/>
             </a:pPr>
             <a:endParaRPr lang="en-US" altLang="ko-KR" dirty="0">
-              <a:latin typeface="+mj-ea"/>
-              <a:ea typeface="+mj-ea"/>
+              <a:latin typeface="나눔스퀘어OTF" panose="020B0600000101010101" pitchFamily="34" charset="-127"/>
+              <a:ea typeface="나눔스퀘어OTF" panose="020B0600000101010101" pitchFamily="34" charset="-127"/>
               <a:cs typeface="Microsoft Himalaya" panose="01010100010101010101" pitchFamily="2" charset="0"/>
             </a:endParaRPr>
           </a:p>
@@ -3738,8 +3746,8 @@
               <a:buNone/>
             </a:pPr>
             <a:endParaRPr lang="en-US" altLang="ko-KR" dirty="0">
-              <a:latin typeface="+mj-ea"/>
-              <a:ea typeface="+mj-ea"/>
+              <a:latin typeface="나눔스퀘어OTF" panose="020B0600000101010101" pitchFamily="34" charset="-127"/>
+              <a:ea typeface="나눔스퀘어OTF" panose="020B0600000101010101" pitchFamily="34" charset="-127"/>
               <a:cs typeface="Microsoft Himalaya" panose="01010100010101010101" pitchFamily="2" charset="0"/>
             </a:endParaRPr>
           </a:p>
@@ -3748,8 +3756,8 @@
               <a:buNone/>
             </a:pPr>
             <a:endParaRPr lang="en-US" altLang="ko-KR" dirty="0">
-              <a:latin typeface="+mj-ea"/>
-              <a:ea typeface="+mj-ea"/>
+              <a:latin typeface="나눔스퀘어OTF" panose="020B0600000101010101" pitchFamily="34" charset="-127"/>
+              <a:ea typeface="나눔스퀘어OTF" panose="020B0600000101010101" pitchFamily="34" charset="-127"/>
               <a:cs typeface="Microsoft Himalaya" panose="01010100010101010101" pitchFamily="2" charset="0"/>
             </a:endParaRPr>
           </a:p>
@@ -3758,8 +3766,8 @@
               <a:buNone/>
             </a:pPr>
             <a:endParaRPr lang="en-US" altLang="ko-KR" dirty="0">
-              <a:latin typeface="+mj-ea"/>
-              <a:ea typeface="+mj-ea"/>
+              <a:latin typeface="나눔스퀘어OTF" panose="020B0600000101010101" pitchFamily="34" charset="-127"/>
+              <a:ea typeface="나눔스퀘어OTF" panose="020B0600000101010101" pitchFamily="34" charset="-127"/>
               <a:cs typeface="Microsoft Himalaya" panose="01010100010101010101" pitchFamily="2" charset="0"/>
             </a:endParaRPr>
           </a:p>
@@ -3768,8 +3776,8 @@
               <a:buNone/>
             </a:pPr>
             <a:endParaRPr lang="en-US" altLang="ko-KR" dirty="0">
-              <a:latin typeface="+mj-ea"/>
-              <a:ea typeface="+mj-ea"/>
+              <a:latin typeface="나눔스퀘어OTF" panose="020B0600000101010101" pitchFamily="34" charset="-127"/>
+              <a:ea typeface="나눔스퀘어OTF" panose="020B0600000101010101" pitchFamily="34" charset="-127"/>
               <a:cs typeface="Microsoft Himalaya" panose="01010100010101010101" pitchFamily="2" charset="0"/>
             </a:endParaRPr>
           </a:p>
@@ -3778,8 +3786,8 @@
               <a:buNone/>
             </a:pPr>
             <a:endParaRPr lang="en-US" altLang="ko-KR" dirty="0">
-              <a:latin typeface="+mj-ea"/>
-              <a:ea typeface="+mj-ea"/>
+              <a:latin typeface="나눔스퀘어OTF" panose="020B0600000101010101" pitchFamily="34" charset="-127"/>
+              <a:ea typeface="나눔스퀘어OTF" panose="020B0600000101010101" pitchFamily="34" charset="-127"/>
               <a:cs typeface="Microsoft Himalaya" panose="01010100010101010101" pitchFamily="2" charset="0"/>
             </a:endParaRPr>
           </a:p>
@@ -3788,8 +3796,8 @@
               <a:buNone/>
             </a:pPr>
             <a:endParaRPr lang="en-US" altLang="ko-KR" dirty="0">
-              <a:latin typeface="+mj-ea"/>
-              <a:ea typeface="+mj-ea"/>
+              <a:latin typeface="나눔스퀘어OTF" panose="020B0600000101010101" pitchFamily="34" charset="-127"/>
+              <a:ea typeface="나눔스퀘어OTF" panose="020B0600000101010101" pitchFamily="34" charset="-127"/>
               <a:cs typeface="Microsoft Himalaya" panose="01010100010101010101" pitchFamily="2" charset="0"/>
             </a:endParaRPr>
           </a:p>
@@ -3798,8 +3806,8 @@
               <a:buNone/>
             </a:pPr>
             <a:endParaRPr lang="en-US" altLang="ko-KR" dirty="0">
-              <a:latin typeface="+mj-ea"/>
-              <a:ea typeface="+mj-ea"/>
+              <a:latin typeface="나눔스퀘어OTF" panose="020B0600000101010101" pitchFamily="34" charset="-127"/>
+              <a:ea typeface="나눔스퀘어OTF" panose="020B0600000101010101" pitchFamily="34" charset="-127"/>
               <a:cs typeface="Microsoft Himalaya" panose="01010100010101010101" pitchFamily="2" charset="0"/>
             </a:endParaRPr>
           </a:p>
@@ -3808,8 +3816,8 @@
               <a:buNone/>
             </a:pPr>
             <a:endParaRPr lang="en-US" altLang="ko-KR" dirty="0">
-              <a:latin typeface="+mj-ea"/>
-              <a:ea typeface="+mj-ea"/>
+              <a:latin typeface="나눔스퀘어OTF" panose="020B0600000101010101" pitchFamily="34" charset="-127"/>
+              <a:ea typeface="나눔스퀘어OTF" panose="020B0600000101010101" pitchFamily="34" charset="-127"/>
               <a:cs typeface="Microsoft Himalaya" panose="01010100010101010101" pitchFamily="2" charset="0"/>
             </a:endParaRPr>
           </a:p>
@@ -3818,8 +3826,8 @@
               <a:buNone/>
             </a:pPr>
             <a:endParaRPr lang="en-US" altLang="ko-KR" dirty="0">
-              <a:latin typeface="+mj-ea"/>
-              <a:ea typeface="+mj-ea"/>
+              <a:latin typeface="나눔스퀘어OTF" panose="020B0600000101010101" pitchFamily="34" charset="-127"/>
+              <a:ea typeface="나눔스퀘어OTF" panose="020B0600000101010101" pitchFamily="34" charset="-127"/>
               <a:cs typeface="Microsoft Himalaya" panose="01010100010101010101" pitchFamily="2" charset="0"/>
             </a:endParaRPr>
           </a:p>
@@ -3828,8 +3836,8 @@
               <a:buNone/>
             </a:pPr>
             <a:endParaRPr lang="en-US" altLang="ko-KR" dirty="0">
-              <a:latin typeface="+mj-ea"/>
-              <a:ea typeface="+mj-ea"/>
+              <a:latin typeface="나눔스퀘어OTF" panose="020B0600000101010101" pitchFamily="34" charset="-127"/>
+              <a:ea typeface="나눔스퀘어OTF" panose="020B0600000101010101" pitchFamily="34" charset="-127"/>
               <a:cs typeface="Microsoft Himalaya" panose="01010100010101010101" pitchFamily="2" charset="0"/>
             </a:endParaRPr>
           </a:p>
@@ -3838,8 +3846,8 @@
               <a:buNone/>
             </a:pPr>
             <a:endParaRPr lang="en-US" altLang="ko-KR" dirty="0">
-              <a:latin typeface="+mj-ea"/>
-              <a:ea typeface="+mj-ea"/>
+              <a:latin typeface="나눔스퀘어OTF" panose="020B0600000101010101" pitchFamily="34" charset="-127"/>
+              <a:ea typeface="나눔스퀘어OTF" panose="020B0600000101010101" pitchFamily="34" charset="-127"/>
               <a:cs typeface="Microsoft Himalaya" panose="01010100010101010101" pitchFamily="2" charset="0"/>
             </a:endParaRPr>
           </a:p>
@@ -3848,8 +3856,8 @@
               <a:buNone/>
             </a:pPr>
             <a:endParaRPr lang="en-US" altLang="ko-KR" dirty="0">
-              <a:latin typeface="+mj-ea"/>
-              <a:ea typeface="+mj-ea"/>
+              <a:latin typeface="나눔스퀘어OTF" panose="020B0600000101010101" pitchFamily="34" charset="-127"/>
+              <a:ea typeface="나눔스퀘어OTF" panose="020B0600000101010101" pitchFamily="34" charset="-127"/>
               <a:cs typeface="Microsoft Himalaya" panose="01010100010101010101" pitchFamily="2" charset="0"/>
             </a:endParaRPr>
           </a:p>
@@ -3858,8 +3866,8 @@
               <a:buNone/>
             </a:pPr>
             <a:endParaRPr lang="en-US" altLang="ko-KR" dirty="0">
-              <a:latin typeface="+mj-ea"/>
-              <a:ea typeface="+mj-ea"/>
+              <a:latin typeface="나눔스퀘어OTF" panose="020B0600000101010101" pitchFamily="34" charset="-127"/>
+              <a:ea typeface="나눔스퀘어OTF" panose="020B0600000101010101" pitchFamily="34" charset="-127"/>
               <a:cs typeface="Microsoft Himalaya" panose="01010100010101010101" pitchFamily="2" charset="0"/>
             </a:endParaRPr>
           </a:p>
@@ -3868,8 +3876,8 @@
               <a:buNone/>
             </a:pPr>
             <a:endParaRPr lang="en-US" altLang="ko-KR" dirty="0">
-              <a:latin typeface="+mj-ea"/>
-              <a:ea typeface="+mj-ea"/>
+              <a:latin typeface="나눔스퀘어OTF" panose="020B0600000101010101" pitchFamily="34" charset="-127"/>
+              <a:ea typeface="나눔스퀘어OTF" panose="020B0600000101010101" pitchFamily="34" charset="-127"/>
               <a:cs typeface="Microsoft Himalaya" panose="01010100010101010101" pitchFamily="2" charset="0"/>
             </a:endParaRPr>
           </a:p>
@@ -3878,8 +3886,8 @@
               <a:buNone/>
             </a:pPr>
             <a:endParaRPr lang="en-US" altLang="ko-KR" dirty="0">
-              <a:latin typeface="+mj-ea"/>
-              <a:ea typeface="+mj-ea"/>
+              <a:latin typeface="나눔스퀘어OTF" panose="020B0600000101010101" pitchFamily="34" charset="-127"/>
+              <a:ea typeface="나눔스퀘어OTF" panose="020B0600000101010101" pitchFamily="34" charset="-127"/>
               <a:cs typeface="Microsoft Himalaya" panose="01010100010101010101" pitchFamily="2" charset="0"/>
             </a:endParaRPr>
           </a:p>
@@ -3888,8 +3896,8 @@
               <a:buNone/>
             </a:pPr>
             <a:endParaRPr lang="en-US" altLang="ko-KR" dirty="0">
-              <a:latin typeface="+mj-ea"/>
-              <a:ea typeface="+mj-ea"/>
+              <a:latin typeface="나눔스퀘어OTF" panose="020B0600000101010101" pitchFamily="34" charset="-127"/>
+              <a:ea typeface="나눔스퀘어OTF" panose="020B0600000101010101" pitchFamily="34" charset="-127"/>
               <a:cs typeface="Microsoft Himalaya" panose="01010100010101010101" pitchFamily="2" charset="0"/>
             </a:endParaRPr>
           </a:p>
@@ -3898,8 +3906,8 @@
               <a:buNone/>
             </a:pPr>
             <a:endParaRPr lang="en-US" altLang="ko-KR" dirty="0">
-              <a:latin typeface="+mj-ea"/>
-              <a:ea typeface="+mj-ea"/>
+              <a:latin typeface="나눔스퀘어OTF" panose="020B0600000101010101" pitchFamily="34" charset="-127"/>
+              <a:ea typeface="나눔스퀘어OTF" panose="020B0600000101010101" pitchFamily="34" charset="-127"/>
               <a:cs typeface="Microsoft Himalaya" panose="01010100010101010101" pitchFamily="2" charset="0"/>
             </a:endParaRPr>
           </a:p>
@@ -3909,32 +3917,32 @@
             </a:pPr>
             <a:r>
               <a:rPr lang="ko-KR" altLang="en-US" dirty="0">
-                <a:latin typeface="+mj-ea"/>
-                <a:ea typeface="+mj-ea"/>
+                <a:latin typeface="나눔스퀘어OTF" panose="020B0600000101010101" pitchFamily="34" charset="-127"/>
+                <a:ea typeface="나눔스퀘어OTF" panose="020B0600000101010101" pitchFamily="34" charset="-127"/>
                 <a:cs typeface="Microsoft Himalaya" panose="01010100010101010101" pitchFamily="2" charset="0"/>
               </a:rPr>
               <a:t>이 방식은 다음과 같은 </a:t>
             </a:r>
             <a:r>
               <a:rPr lang="ko-KR" altLang="en-US" b="1" dirty="0">
-                <a:latin typeface="+mj-ea"/>
-                <a:ea typeface="+mj-ea"/>
+                <a:latin typeface="나눔스퀘어OTF" panose="020B0600000101010101" pitchFamily="34" charset="-127"/>
+                <a:ea typeface="나눔스퀘어OTF" panose="020B0600000101010101" pitchFamily="34" charset="-127"/>
                 <a:cs typeface="Microsoft Himalaya" panose="01010100010101010101" pitchFamily="2" charset="0"/>
               </a:rPr>
               <a:t>치명적인 비효율성</a:t>
             </a:r>
             <a:r>
               <a:rPr lang="ko-KR" altLang="en-US" dirty="0">
-                <a:latin typeface="+mj-ea"/>
-                <a:ea typeface="+mj-ea"/>
+                <a:latin typeface="나눔스퀘어OTF" panose="020B0600000101010101" pitchFamily="34" charset="-127"/>
+                <a:ea typeface="나눔스퀘어OTF" panose="020B0600000101010101" pitchFamily="34" charset="-127"/>
                 <a:cs typeface="Microsoft Himalaya" panose="01010100010101010101" pitchFamily="2" charset="0"/>
               </a:rPr>
               <a:t>을 초래합니다</a:t>
             </a:r>
             <a:r>
               <a:rPr lang="en-US" altLang="ko-KR" dirty="0">
-                <a:latin typeface="+mj-ea"/>
-                <a:ea typeface="+mj-ea"/>
+                <a:latin typeface="나눔스퀘어OTF" panose="020B0600000101010101" pitchFamily="34" charset="-127"/>
+                <a:ea typeface="나눔스퀘어OTF" panose="020B0600000101010101" pitchFamily="34" charset="-127"/>
                 <a:cs typeface="Microsoft Himalaya" panose="01010100010101010101" pitchFamily="2" charset="0"/>
               </a:rPr>
               <a:t>:</a:t>
@@ -3945,8 +3953,8 @@
               <a:buNone/>
             </a:pPr>
             <a:endParaRPr lang="en-US" altLang="ko-KR" dirty="0">
-              <a:latin typeface="+mj-ea"/>
-              <a:ea typeface="+mj-ea"/>
+              <a:latin typeface="나눔스퀘어OTF" panose="020B0600000101010101" pitchFamily="34" charset="-127"/>
+              <a:ea typeface="나눔스퀘어OTF" panose="020B0600000101010101" pitchFamily="34" charset="-127"/>
               <a:cs typeface="Microsoft Himalaya" panose="01010100010101010101" pitchFamily="2" charset="0"/>
             </a:endParaRPr>
           </a:p>
@@ -3957,55 +3965,55 @@
             </a:pPr>
             <a:r>
               <a:rPr lang="en-US" altLang="ko-KR" dirty="0">
-                <a:latin typeface="+mj-ea"/>
-                <a:ea typeface="+mj-ea"/>
+                <a:latin typeface="나눔스퀘어OTF" panose="020B0600000101010101" pitchFamily="34" charset="-127"/>
+                <a:ea typeface="나눔스퀘어OTF" panose="020B0600000101010101" pitchFamily="34" charset="-127"/>
                 <a:cs typeface="Microsoft Himalaya" panose="01010100010101010101" pitchFamily="2" charset="0"/>
               </a:rPr>
               <a:t>✅ </a:t>
             </a:r>
             <a:r>
               <a:rPr lang="ko-KR" altLang="en-US" b="1" dirty="0">
-                <a:latin typeface="+mj-ea"/>
-                <a:ea typeface="+mj-ea"/>
+                <a:latin typeface="나눔스퀘어OTF" panose="020B0600000101010101" pitchFamily="34" charset="-127"/>
+                <a:ea typeface="나눔스퀘어OTF" panose="020B0600000101010101" pitchFamily="34" charset="-127"/>
                 <a:cs typeface="Microsoft Himalaya" panose="01010100010101010101" pitchFamily="2" charset="0"/>
               </a:rPr>
               <a:t>시간 낭비</a:t>
             </a:r>
             <a:r>
               <a:rPr lang="en-US" altLang="ko-KR" dirty="0">
-                <a:latin typeface="+mj-ea"/>
-                <a:ea typeface="+mj-ea"/>
+                <a:latin typeface="나눔스퀘어OTF" panose="020B0600000101010101" pitchFamily="34" charset="-127"/>
+                <a:ea typeface="나눔스퀘어OTF" panose="020B0600000101010101" pitchFamily="34" charset="-127"/>
                 <a:cs typeface="Microsoft Himalaya" panose="01010100010101010101" pitchFamily="2" charset="0"/>
               </a:rPr>
               <a:t>: </a:t>
             </a:r>
             <a:r>
               <a:rPr lang="ko-KR" altLang="en-US" dirty="0">
-                <a:latin typeface="+mj-ea"/>
-                <a:ea typeface="+mj-ea"/>
+                <a:latin typeface="나눔스퀘어OTF" panose="020B0600000101010101" pitchFamily="34" charset="-127"/>
+                <a:ea typeface="나눔스퀘어OTF" panose="020B0600000101010101" pitchFamily="34" charset="-127"/>
                 <a:cs typeface="Microsoft Himalaya" panose="01010100010101010101" pitchFamily="2" charset="0"/>
               </a:rPr>
               <a:t>동일한 질문이라도 매번 수작업 검색 </a:t>
             </a:r>
             <a:endParaRPr lang="en-US" altLang="ko-KR" dirty="0">
-              <a:latin typeface="+mj-ea"/>
-              <a:ea typeface="+mj-ea"/>
+              <a:latin typeface="나눔스퀘어OTF" panose="020B0600000101010101" pitchFamily="34" charset="-127"/>
+              <a:ea typeface="나눔스퀘어OTF" panose="020B0600000101010101" pitchFamily="34" charset="-127"/>
               <a:cs typeface="Microsoft Himalaya" panose="01010100010101010101" pitchFamily="2" charset="0"/>
             </a:endParaRPr>
           </a:p>
           <a:p>
             <a:r>
               <a:rPr lang="ko-KR" altLang="en-US" b="1" dirty="0">
-                <a:latin typeface="+mj-ea"/>
-                <a:ea typeface="+mj-ea"/>
+                <a:latin typeface="나눔스퀘어OTF" panose="020B0600000101010101" pitchFamily="34" charset="-127"/>
+                <a:ea typeface="나눔스퀘어OTF" panose="020B0600000101010101" pitchFamily="34" charset="-127"/>
                 <a:cs typeface="Microsoft Himalaya" panose="01010100010101010101" pitchFamily="2" charset="0"/>
               </a:rPr>
               <a:t>→ 판매 품목 증가</a:t>
             </a:r>
             <a:r>
               <a:rPr lang="en-US" altLang="ko-KR" b="1" dirty="0">
-                <a:latin typeface="+mj-ea"/>
-                <a:ea typeface="+mj-ea"/>
+                <a:latin typeface="나눔스퀘어OTF" panose="020B0600000101010101" pitchFamily="34" charset="-127"/>
+                <a:ea typeface="나눔스퀘어OTF" panose="020B0600000101010101" pitchFamily="34" charset="-127"/>
                 <a:cs typeface="Microsoft Himalaya" panose="01010100010101010101" pitchFamily="2" charset="0"/>
               </a:rPr>
               <a:t>. </a:t>
@@ -4014,30 +4022,30 @@
           <a:p>
             <a:r>
               <a:rPr lang="en-US" altLang="ko-KR" b="1" dirty="0">
-                <a:latin typeface="+mj-ea"/>
-                <a:ea typeface="+mj-ea"/>
+                <a:latin typeface="나눔스퀘어OTF" panose="020B0600000101010101" pitchFamily="34" charset="-127"/>
+                <a:ea typeface="나눔스퀘어OTF" panose="020B0600000101010101" pitchFamily="34" charset="-127"/>
                 <a:cs typeface="Microsoft Himalaya" panose="01010100010101010101" pitchFamily="2" charset="0"/>
               </a:rPr>
               <a:t>   </a:t>
             </a:r>
             <a:r>
               <a:rPr lang="ko-KR" altLang="en-US" b="1" dirty="0">
-                <a:latin typeface="+mj-ea"/>
-                <a:ea typeface="+mj-ea"/>
+                <a:latin typeface="나눔스퀘어OTF" panose="020B0600000101010101" pitchFamily="34" charset="-127"/>
+                <a:ea typeface="나눔스퀘어OTF" panose="020B0600000101010101" pitchFamily="34" charset="-127"/>
                 <a:cs typeface="Microsoft Himalaya" panose="01010100010101010101" pitchFamily="2" charset="0"/>
               </a:rPr>
               <a:t>제품 숙지 난이도가 어려울 경우 더더욱 응답 지연 발생 </a:t>
             </a:r>
             <a:endParaRPr lang="en-US" altLang="ko-KR" b="1" dirty="0">
-              <a:latin typeface="+mj-ea"/>
-              <a:ea typeface="+mj-ea"/>
+              <a:latin typeface="나눔스퀘어OTF" panose="020B0600000101010101" pitchFamily="34" charset="-127"/>
+              <a:ea typeface="나눔스퀘어OTF" panose="020B0600000101010101" pitchFamily="34" charset="-127"/>
               <a:cs typeface="Microsoft Himalaya" panose="01010100010101010101" pitchFamily="2" charset="0"/>
             </a:endParaRPr>
           </a:p>
           <a:p>
             <a:endParaRPr lang="ko-KR" altLang="en-US" b="1" dirty="0">
-              <a:latin typeface="+mj-ea"/>
-              <a:ea typeface="+mj-ea"/>
+              <a:latin typeface="나눔스퀘어OTF" panose="020B0600000101010101" pitchFamily="34" charset="-127"/>
+              <a:ea typeface="나눔스퀘어OTF" panose="020B0600000101010101" pitchFamily="34" charset="-127"/>
               <a:cs typeface="Microsoft Himalaya" panose="01010100010101010101" pitchFamily="2" charset="0"/>
             </a:endParaRPr>
           </a:p>
@@ -4048,77 +4056,77 @@
             </a:pPr>
             <a:r>
               <a:rPr lang="ko-KR" altLang="en-US" dirty="0">
-                <a:latin typeface="+mj-ea"/>
-                <a:ea typeface="+mj-ea"/>
+                <a:latin typeface="나눔스퀘어OTF" panose="020B0600000101010101" pitchFamily="34" charset="-127"/>
+                <a:ea typeface="나눔스퀘어OTF" panose="020B0600000101010101" pitchFamily="34" charset="-127"/>
                 <a:cs typeface="Microsoft Himalaya" panose="01010100010101010101" pitchFamily="2" charset="0"/>
               </a:rPr>
               <a:t>✅ </a:t>
             </a:r>
             <a:r>
               <a:rPr lang="ko-KR" altLang="en-US" b="1" dirty="0">
-                <a:latin typeface="+mj-ea"/>
-                <a:ea typeface="+mj-ea"/>
+                <a:latin typeface="나눔스퀘어OTF" panose="020B0600000101010101" pitchFamily="34" charset="-127"/>
+                <a:ea typeface="나눔스퀘어OTF" panose="020B0600000101010101" pitchFamily="34" charset="-127"/>
                 <a:cs typeface="Microsoft Himalaya" panose="01010100010101010101" pitchFamily="2" charset="0"/>
               </a:rPr>
               <a:t>일관성 결여</a:t>
             </a:r>
             <a:r>
               <a:rPr lang="en-US" altLang="ko-KR" dirty="0">
-                <a:latin typeface="+mj-ea"/>
-                <a:ea typeface="+mj-ea"/>
+                <a:latin typeface="나눔스퀘어OTF" panose="020B0600000101010101" pitchFamily="34" charset="-127"/>
+                <a:ea typeface="나눔스퀘어OTF" panose="020B0600000101010101" pitchFamily="34" charset="-127"/>
                 <a:cs typeface="Microsoft Himalaya" panose="01010100010101010101" pitchFamily="2" charset="0"/>
               </a:rPr>
               <a:t>: </a:t>
             </a:r>
             <a:r>
               <a:rPr lang="ko-KR" altLang="en-US" dirty="0">
-                <a:latin typeface="+mj-ea"/>
-                <a:ea typeface="+mj-ea"/>
+                <a:latin typeface="나눔스퀘어OTF" panose="020B0600000101010101" pitchFamily="34" charset="-127"/>
+                <a:ea typeface="나눔스퀘어OTF" panose="020B0600000101010101" pitchFamily="34" charset="-127"/>
                 <a:cs typeface="Microsoft Himalaya" panose="01010100010101010101" pitchFamily="2" charset="0"/>
               </a:rPr>
               <a:t>상담원마다 응대 품질</a:t>
             </a:r>
             <a:r>
               <a:rPr lang="en-US" altLang="ko-KR" dirty="0">
-                <a:latin typeface="+mj-ea"/>
-                <a:ea typeface="+mj-ea"/>
+                <a:latin typeface="나눔스퀘어OTF" panose="020B0600000101010101" pitchFamily="34" charset="-127"/>
+                <a:ea typeface="나눔스퀘어OTF" panose="020B0600000101010101" pitchFamily="34" charset="-127"/>
                 <a:cs typeface="Microsoft Himalaya" panose="01010100010101010101" pitchFamily="2" charset="0"/>
               </a:rPr>
               <a:t>/</a:t>
             </a:r>
             <a:r>
               <a:rPr lang="ko-KR" altLang="en-US" dirty="0">
-                <a:latin typeface="+mj-ea"/>
-                <a:ea typeface="+mj-ea"/>
+                <a:latin typeface="나눔스퀘어OTF" panose="020B0600000101010101" pitchFamily="34" charset="-127"/>
+                <a:ea typeface="나눔스퀘어OTF" panose="020B0600000101010101" pitchFamily="34" charset="-127"/>
                 <a:cs typeface="Microsoft Himalaya" panose="01010100010101010101" pitchFamily="2" charset="0"/>
               </a:rPr>
               <a:t>내용이 다름</a:t>
             </a:r>
             <a:endParaRPr lang="en-US" altLang="ko-KR" dirty="0">
-              <a:latin typeface="+mj-ea"/>
-              <a:ea typeface="+mj-ea"/>
+              <a:latin typeface="나눔스퀘어OTF" panose="020B0600000101010101" pitchFamily="34" charset="-127"/>
+              <a:ea typeface="나눔스퀘어OTF" panose="020B0600000101010101" pitchFamily="34" charset="-127"/>
               <a:cs typeface="Microsoft Himalaya" panose="01010100010101010101" pitchFamily="2" charset="0"/>
             </a:endParaRPr>
           </a:p>
           <a:p>
             <a:r>
               <a:rPr lang="ko-KR" altLang="en-US" b="1" dirty="0">
-                <a:latin typeface="+mj-ea"/>
-                <a:ea typeface="+mj-ea"/>
+                <a:latin typeface="나눔스퀘어OTF" panose="020B0600000101010101" pitchFamily="34" charset="-127"/>
+                <a:ea typeface="나눔스퀘어OTF" panose="020B0600000101010101" pitchFamily="34" charset="-127"/>
                 <a:cs typeface="Microsoft Himalaya" panose="01010100010101010101" pitchFamily="2" charset="0"/>
               </a:rPr>
               <a:t> → 고객 불신 가능</a:t>
             </a:r>
             <a:endParaRPr lang="en-US" altLang="ko-KR" b="1" dirty="0">
-              <a:latin typeface="+mj-ea"/>
-              <a:ea typeface="+mj-ea"/>
+              <a:latin typeface="나눔스퀘어OTF" panose="020B0600000101010101" pitchFamily="34" charset="-127"/>
+              <a:ea typeface="나눔스퀘어OTF" panose="020B0600000101010101" pitchFamily="34" charset="-127"/>
               <a:cs typeface="Microsoft Himalaya" panose="01010100010101010101" pitchFamily="2" charset="0"/>
             </a:endParaRPr>
           </a:p>
           <a:p>
             <a:endParaRPr lang="ko-KR" altLang="en-US" b="1" dirty="0">
-              <a:latin typeface="+mj-ea"/>
-              <a:ea typeface="+mj-ea"/>
+              <a:latin typeface="나눔스퀘어OTF" panose="020B0600000101010101" pitchFamily="34" charset="-127"/>
+              <a:ea typeface="나눔스퀘어OTF" panose="020B0600000101010101" pitchFamily="34" charset="-127"/>
               <a:cs typeface="Microsoft Himalaya" panose="01010100010101010101" pitchFamily="2" charset="0"/>
             </a:endParaRPr>
           </a:p>
@@ -4129,61 +4137,61 @@
             </a:pPr>
             <a:r>
               <a:rPr lang="ko-KR" altLang="en-US" dirty="0">
-                <a:latin typeface="+mj-ea"/>
-                <a:ea typeface="+mj-ea"/>
+                <a:latin typeface="나눔스퀘어OTF" panose="020B0600000101010101" pitchFamily="34" charset="-127"/>
+                <a:ea typeface="나눔스퀘어OTF" panose="020B0600000101010101" pitchFamily="34" charset="-127"/>
                 <a:cs typeface="Microsoft Himalaya" panose="01010100010101010101" pitchFamily="2" charset="0"/>
               </a:rPr>
               <a:t>✅ </a:t>
             </a:r>
             <a:r>
               <a:rPr lang="ko-KR" altLang="en-US" b="1" dirty="0">
-                <a:latin typeface="+mj-ea"/>
-                <a:ea typeface="+mj-ea"/>
+                <a:latin typeface="나눔스퀘어OTF" panose="020B0600000101010101" pitchFamily="34" charset="-127"/>
+                <a:ea typeface="나눔스퀘어OTF" panose="020B0600000101010101" pitchFamily="34" charset="-127"/>
                 <a:cs typeface="Microsoft Himalaya" panose="01010100010101010101" pitchFamily="2" charset="0"/>
               </a:rPr>
               <a:t>리소스 낭비</a:t>
             </a:r>
             <a:r>
               <a:rPr lang="en-US" altLang="ko-KR" dirty="0">
-                <a:latin typeface="+mj-ea"/>
-                <a:ea typeface="+mj-ea"/>
+                <a:latin typeface="나눔스퀘어OTF" panose="020B0600000101010101" pitchFamily="34" charset="-127"/>
+                <a:ea typeface="나눔스퀘어OTF" panose="020B0600000101010101" pitchFamily="34" charset="-127"/>
                 <a:cs typeface="Microsoft Himalaya" panose="01010100010101010101" pitchFamily="2" charset="0"/>
               </a:rPr>
               <a:t>: </a:t>
             </a:r>
             <a:r>
               <a:rPr lang="ko-KR" altLang="en-US" dirty="0">
-                <a:latin typeface="+mj-ea"/>
-                <a:ea typeface="+mj-ea"/>
+                <a:latin typeface="나눔스퀘어OTF" panose="020B0600000101010101" pitchFamily="34" charset="-127"/>
+                <a:ea typeface="나눔스퀘어OTF" panose="020B0600000101010101" pitchFamily="34" charset="-127"/>
                 <a:cs typeface="Microsoft Himalaya" panose="01010100010101010101" pitchFamily="2" charset="0"/>
               </a:rPr>
               <a:t>반복 질문에 고급 인력이 투입되는 구조 </a:t>
             </a:r>
             <a:endParaRPr lang="en-US" altLang="ko-KR" dirty="0">
-              <a:latin typeface="+mj-ea"/>
-              <a:ea typeface="+mj-ea"/>
+              <a:latin typeface="나눔스퀘어OTF" panose="020B0600000101010101" pitchFamily="34" charset="-127"/>
+              <a:ea typeface="나눔스퀘어OTF" panose="020B0600000101010101" pitchFamily="34" charset="-127"/>
               <a:cs typeface="Microsoft Himalaya" panose="01010100010101010101" pitchFamily="2" charset="0"/>
             </a:endParaRPr>
           </a:p>
           <a:p>
             <a:r>
               <a:rPr lang="ko-KR" altLang="en-US" b="1" dirty="0">
-                <a:latin typeface="+mj-ea"/>
-                <a:ea typeface="+mj-ea"/>
+                <a:latin typeface="나눔스퀘어OTF" panose="020B0600000101010101" pitchFamily="34" charset="-127"/>
+                <a:ea typeface="나눔스퀘어OTF" panose="020B0600000101010101" pitchFamily="34" charset="-127"/>
                 <a:cs typeface="Microsoft Himalaya" panose="01010100010101010101" pitchFamily="2" charset="0"/>
               </a:rPr>
               <a:t>→ 비효율적인 인력 운영</a:t>
             </a:r>
             <a:endParaRPr lang="en-US" altLang="ko-KR" b="1" dirty="0">
-              <a:latin typeface="+mj-ea"/>
-              <a:ea typeface="+mj-ea"/>
+              <a:latin typeface="나눔스퀘어OTF" panose="020B0600000101010101" pitchFamily="34" charset="-127"/>
+              <a:ea typeface="나눔스퀘어OTF" panose="020B0600000101010101" pitchFamily="34" charset="-127"/>
               <a:cs typeface="Microsoft Himalaya" panose="01010100010101010101" pitchFamily="2" charset="0"/>
             </a:endParaRPr>
           </a:p>
           <a:p>
             <a:endParaRPr lang="ko-KR" altLang="en-US" b="1" dirty="0">
-              <a:latin typeface="+mj-ea"/>
-              <a:ea typeface="+mj-ea"/>
+              <a:latin typeface="나눔스퀘어OTF" panose="020B0600000101010101" pitchFamily="34" charset="-127"/>
+              <a:ea typeface="나눔스퀘어OTF" panose="020B0600000101010101" pitchFamily="34" charset="-127"/>
               <a:cs typeface="Microsoft Himalaya" panose="01010100010101010101" pitchFamily="2" charset="0"/>
             </a:endParaRPr>
           </a:p>
@@ -4194,63 +4202,63 @@
             </a:pPr>
             <a:r>
               <a:rPr lang="ko-KR" altLang="en-US" dirty="0">
-                <a:latin typeface="+mj-ea"/>
-                <a:ea typeface="+mj-ea"/>
+                <a:latin typeface="나눔스퀘어OTF" panose="020B0600000101010101" pitchFamily="34" charset="-127"/>
+                <a:ea typeface="나눔스퀘어OTF" panose="020B0600000101010101" pitchFamily="34" charset="-127"/>
                 <a:cs typeface="Microsoft Himalaya" panose="01010100010101010101" pitchFamily="2" charset="0"/>
               </a:rPr>
               <a:t>✅ </a:t>
             </a:r>
             <a:r>
               <a:rPr lang="ko-KR" altLang="en-US" b="1" dirty="0">
-                <a:latin typeface="+mj-ea"/>
-                <a:ea typeface="+mj-ea"/>
+                <a:latin typeface="나눔스퀘어OTF" panose="020B0600000101010101" pitchFamily="34" charset="-127"/>
+                <a:ea typeface="나눔스퀘어OTF" panose="020B0600000101010101" pitchFamily="34" charset="-127"/>
                 <a:cs typeface="Microsoft Himalaya" panose="01010100010101010101" pitchFamily="2" charset="0"/>
               </a:rPr>
               <a:t>데이터 활용 미흡</a:t>
             </a:r>
             <a:r>
               <a:rPr lang="en-US" altLang="ko-KR" dirty="0">
-                <a:latin typeface="+mj-ea"/>
-                <a:ea typeface="+mj-ea"/>
+                <a:latin typeface="나눔스퀘어OTF" panose="020B0600000101010101" pitchFamily="34" charset="-127"/>
+                <a:ea typeface="나눔스퀘어OTF" panose="020B0600000101010101" pitchFamily="34" charset="-127"/>
                 <a:cs typeface="Microsoft Himalaya" panose="01010100010101010101" pitchFamily="2" charset="0"/>
               </a:rPr>
               <a:t>: </a:t>
             </a:r>
             <a:r>
               <a:rPr lang="ko-KR" altLang="en-US" dirty="0">
-                <a:latin typeface="+mj-ea"/>
-                <a:ea typeface="+mj-ea"/>
+                <a:latin typeface="나눔스퀘어OTF" panose="020B0600000101010101" pitchFamily="34" charset="-127"/>
+                <a:ea typeface="나눔스퀘어OTF" panose="020B0600000101010101" pitchFamily="34" charset="-127"/>
                 <a:cs typeface="Microsoft Himalaya" panose="01010100010101010101" pitchFamily="2" charset="0"/>
               </a:rPr>
               <a:t>수집된 고객 문의</a:t>
             </a:r>
             <a:r>
               <a:rPr lang="en-US" altLang="ko-KR" dirty="0">
-                <a:latin typeface="+mj-ea"/>
-                <a:ea typeface="+mj-ea"/>
+                <a:latin typeface="나눔스퀘어OTF" panose="020B0600000101010101" pitchFamily="34" charset="-127"/>
+                <a:ea typeface="나눔스퀘어OTF" panose="020B0600000101010101" pitchFamily="34" charset="-127"/>
                 <a:cs typeface="Microsoft Himalaya" panose="01010100010101010101" pitchFamily="2" charset="0"/>
               </a:rPr>
               <a:t>/</a:t>
             </a:r>
             <a:r>
               <a:rPr lang="ko-KR" altLang="en-US" dirty="0">
-                <a:latin typeface="+mj-ea"/>
-                <a:ea typeface="+mj-ea"/>
+                <a:latin typeface="나눔스퀘어OTF" panose="020B0600000101010101" pitchFamily="34" charset="-127"/>
+                <a:ea typeface="나눔스퀘어OTF" panose="020B0600000101010101" pitchFamily="34" charset="-127"/>
                 <a:cs typeface="Microsoft Himalaya" panose="01010100010101010101" pitchFamily="2" charset="0"/>
               </a:rPr>
               <a:t>응대 내역이 축적되지 않음 </a:t>
             </a:r>
             <a:endParaRPr lang="en-US" altLang="ko-KR" dirty="0">
-              <a:latin typeface="+mj-ea"/>
-              <a:ea typeface="+mj-ea"/>
+              <a:latin typeface="나눔스퀘어OTF" panose="020B0600000101010101" pitchFamily="34" charset="-127"/>
+              <a:ea typeface="나눔스퀘어OTF" panose="020B0600000101010101" pitchFamily="34" charset="-127"/>
               <a:cs typeface="Microsoft Himalaya" panose="01010100010101010101" pitchFamily="2" charset="0"/>
             </a:endParaRPr>
           </a:p>
           <a:p>
             <a:r>
               <a:rPr lang="ko-KR" altLang="en-US" b="1" dirty="0">
-                <a:latin typeface="+mj-ea"/>
-                <a:ea typeface="+mj-ea"/>
+                <a:latin typeface="나눔스퀘어OTF" panose="020B0600000101010101" pitchFamily="34" charset="-127"/>
+                <a:ea typeface="나눔스퀘어OTF" panose="020B0600000101010101" pitchFamily="34" charset="-127"/>
                 <a:cs typeface="Microsoft Himalaya" panose="01010100010101010101" pitchFamily="2" charset="0"/>
               </a:rPr>
               <a:t>→ 개선 불가 </a:t>
@@ -4359,27 +4367,27 @@
           <a:p>
             <a:r>
               <a:rPr lang="ko-KR" altLang="en-US" sz="2400" b="1" dirty="0">
-                <a:latin typeface="+mj-ea"/>
-                <a:ea typeface="+mj-ea"/>
+                <a:latin typeface="나눔스퀘어OTF" panose="020B0600000101010101" pitchFamily="34" charset="-127"/>
+                <a:ea typeface="나눔스퀘어OTF" panose="020B0600000101010101" pitchFamily="34" charset="-127"/>
               </a:rPr>
               <a:t>🎯 프로젝트 목표</a:t>
             </a:r>
             <a:endParaRPr lang="en-US" altLang="ko-KR" sz="2400" b="1" dirty="0">
-              <a:latin typeface="+mj-ea"/>
-              <a:ea typeface="+mj-ea"/>
+              <a:latin typeface="나눔스퀘어OTF" panose="020B0600000101010101" pitchFamily="34" charset="-127"/>
+              <a:ea typeface="나눔스퀘어OTF" panose="020B0600000101010101" pitchFamily="34" charset="-127"/>
             </a:endParaRPr>
           </a:p>
           <a:p>
             <a:endParaRPr lang="ko-KR" altLang="en-US" sz="2400" b="1" dirty="0">
-              <a:latin typeface="+mj-ea"/>
-              <a:ea typeface="+mj-ea"/>
+              <a:latin typeface="나눔스퀘어OTF" panose="020B0600000101010101" pitchFamily="34" charset="-127"/>
+              <a:ea typeface="나눔스퀘어OTF" panose="020B0600000101010101" pitchFamily="34" charset="-127"/>
             </a:endParaRPr>
           </a:p>
           <a:p>
             <a:r>
               <a:rPr lang="ko-KR" altLang="en-US" dirty="0">
-                <a:latin typeface="+mj-ea"/>
-                <a:ea typeface="+mj-ea"/>
+                <a:latin typeface="나눔스퀘어OTF" panose="020B0600000101010101" pitchFamily="34" charset="-127"/>
+                <a:ea typeface="나눔스퀘어OTF" panose="020B0600000101010101" pitchFamily="34" charset="-127"/>
               </a:rPr>
               <a:t>수작업 FAQ 응대 구조를 완전히 제거하고,</a:t>
             </a:r>
@@ -4387,15 +4395,15 @@
           <a:p>
             <a:r>
               <a:rPr lang="ko-KR" altLang="en-US" dirty="0" err="1">
-                <a:latin typeface="+mj-ea"/>
-                <a:ea typeface="+mj-ea"/>
+                <a:latin typeface="나눔스퀘어OTF" panose="020B0600000101010101" pitchFamily="34" charset="-127"/>
+                <a:ea typeface="나눔스퀘어OTF" panose="020B0600000101010101" pitchFamily="34" charset="-127"/>
               </a:rPr>
               <a:t>OpenAI</a:t>
             </a:r>
             <a:r>
               <a:rPr lang="ko-KR" altLang="en-US" dirty="0">
-                <a:latin typeface="+mj-ea"/>
-                <a:ea typeface="+mj-ea"/>
+                <a:latin typeface="나눔스퀘어OTF" panose="020B0600000101010101" pitchFamily="34" charset="-127"/>
+                <a:ea typeface="나눔스퀘어OTF" panose="020B0600000101010101" pitchFamily="34" charset="-127"/>
               </a:rPr>
               <a:t> 기반의 자연어 처리 기술을 도입하여,</a:t>
             </a:r>
@@ -4403,23 +4411,23 @@
           <a:p>
             <a:r>
               <a:rPr lang="ko-KR" altLang="en-US" dirty="0">
-                <a:latin typeface="+mj-ea"/>
-                <a:ea typeface="+mj-ea"/>
+                <a:latin typeface="나눔스퀘어OTF" panose="020B0600000101010101" pitchFamily="34" charset="-127"/>
+                <a:ea typeface="나눔스퀘어OTF" panose="020B0600000101010101" pitchFamily="34" charset="-127"/>
               </a:rPr>
               <a:t>누구나 동일한 수준의 응대를 빠르게 제공할 수 있는 자동화 시스템을 구축합니다.</a:t>
             </a:r>
           </a:p>
           <a:p>
             <a:endParaRPr lang="ko-KR" altLang="en-US" dirty="0">
-              <a:latin typeface="+mj-ea"/>
-              <a:ea typeface="+mj-ea"/>
+              <a:latin typeface="나눔스퀘어OTF" panose="020B0600000101010101" pitchFamily="34" charset="-127"/>
+              <a:ea typeface="나눔스퀘어OTF" panose="020B0600000101010101" pitchFamily="34" charset="-127"/>
             </a:endParaRPr>
           </a:p>
           <a:p>
             <a:r>
               <a:rPr lang="ko-KR" altLang="en-US" dirty="0">
-                <a:latin typeface="+mj-ea"/>
-                <a:ea typeface="+mj-ea"/>
+                <a:latin typeface="나눔스퀘어OTF" panose="020B0600000101010101" pitchFamily="34" charset="-127"/>
+                <a:ea typeface="나눔스퀘어OTF" panose="020B0600000101010101" pitchFamily="34" charset="-127"/>
               </a:rPr>
               <a:t>🔧 시스템 개요</a:t>
             </a:r>
@@ -4427,8 +4435,8 @@
           <a:p>
             <a:r>
               <a:rPr lang="ko-KR" altLang="en-US" dirty="0">
-                <a:latin typeface="+mj-ea"/>
-                <a:ea typeface="+mj-ea"/>
+                <a:latin typeface="나눔스퀘어OTF" panose="020B0600000101010101" pitchFamily="34" charset="-127"/>
+                <a:ea typeface="나눔스퀘어OTF" panose="020B0600000101010101" pitchFamily="34" charset="-127"/>
               </a:rPr>
               <a:t>1. 📂 데이터 기반</a:t>
             </a:r>
@@ -4436,81 +4444,81 @@
           <a:p>
             <a:r>
               <a:rPr lang="ko-KR" altLang="en-US" dirty="0">
-                <a:latin typeface="+mj-ea"/>
-                <a:ea typeface="+mj-ea"/>
+                <a:latin typeface="나눔스퀘어OTF" panose="020B0600000101010101" pitchFamily="34" charset="-127"/>
+                <a:ea typeface="나눔스퀘어OTF" panose="020B0600000101010101" pitchFamily="34" charset="-127"/>
               </a:rPr>
               <a:t>내부에서 수집한 FAQ Excel 데이터를 기반으로</a:t>
             </a:r>
           </a:p>
           <a:p>
             <a:endParaRPr lang="ko-KR" altLang="en-US" dirty="0">
-              <a:latin typeface="+mj-ea"/>
-              <a:ea typeface="+mj-ea"/>
+              <a:latin typeface="나눔스퀘어OTF" panose="020B0600000101010101" pitchFamily="34" charset="-127"/>
+              <a:ea typeface="나눔스퀘어OTF" panose="020B0600000101010101" pitchFamily="34" charset="-127"/>
             </a:endParaRPr>
           </a:p>
           <a:p>
             <a:r>
               <a:rPr lang="ko-KR" altLang="en-US" dirty="0">
-                <a:latin typeface="+mj-ea"/>
-                <a:ea typeface="+mj-ea"/>
+                <a:latin typeface="나눔스퀘어OTF" panose="020B0600000101010101" pitchFamily="34" charset="-127"/>
+                <a:ea typeface="나눔스퀘어OTF" panose="020B0600000101010101" pitchFamily="34" charset="-127"/>
               </a:rPr>
               <a:t>항목: 제품명, 제품구분, 문의내용, 답변내용</a:t>
             </a:r>
           </a:p>
           <a:p>
             <a:endParaRPr lang="ko-KR" altLang="en-US" dirty="0">
-              <a:latin typeface="+mj-ea"/>
-              <a:ea typeface="+mj-ea"/>
+              <a:latin typeface="나눔스퀘어OTF" panose="020B0600000101010101" pitchFamily="34" charset="-127"/>
+              <a:ea typeface="나눔스퀘어OTF" panose="020B0600000101010101" pitchFamily="34" charset="-127"/>
             </a:endParaRPr>
           </a:p>
           <a:p>
             <a:r>
               <a:rPr lang="ko-KR" altLang="en-US" dirty="0">
-                <a:latin typeface="+mj-ea"/>
-                <a:ea typeface="+mj-ea"/>
+                <a:latin typeface="나눔스퀘어OTF" panose="020B0600000101010101" pitchFamily="34" charset="-127"/>
+                <a:ea typeface="나눔스퀘어OTF" panose="020B0600000101010101" pitchFamily="34" charset="-127"/>
               </a:rPr>
               <a:t>사용자 질문이 들어오면 </a:t>
             </a:r>
             <a:r>
               <a:rPr lang="ko-KR" altLang="en-US" dirty="0" err="1">
-                <a:latin typeface="+mj-ea"/>
-                <a:ea typeface="+mj-ea"/>
+                <a:latin typeface="나눔스퀘어OTF" panose="020B0600000101010101" pitchFamily="34" charset="-127"/>
+                <a:ea typeface="나눔스퀘어OTF" panose="020B0600000101010101" pitchFamily="34" charset="-127"/>
               </a:rPr>
               <a:t>AI가</a:t>
             </a:r>
             <a:r>
               <a:rPr lang="ko-KR" altLang="en-US" dirty="0">
-                <a:latin typeface="+mj-ea"/>
-                <a:ea typeface="+mj-ea"/>
+                <a:latin typeface="나눔스퀘어OTF" panose="020B0600000101010101" pitchFamily="34" charset="-127"/>
+                <a:ea typeface="나눔스퀘어OTF" panose="020B0600000101010101" pitchFamily="34" charset="-127"/>
               </a:rPr>
               <a:t> 이를 파악하고 가장 유사한 문의내용과 그에 대응하는 답변을 찾아 제공합니다.</a:t>
             </a:r>
           </a:p>
           <a:p>
             <a:endParaRPr lang="ko-KR" altLang="en-US" dirty="0">
-              <a:latin typeface="+mj-ea"/>
-              <a:ea typeface="+mj-ea"/>
+              <a:latin typeface="나눔스퀘어OTF" panose="020B0600000101010101" pitchFamily="34" charset="-127"/>
+              <a:ea typeface="나눔스퀘어OTF" panose="020B0600000101010101" pitchFamily="34" charset="-127"/>
             </a:endParaRPr>
           </a:p>
           <a:p>
             <a:r>
               <a:rPr lang="ko-KR" altLang="en-US" dirty="0">
-                <a:latin typeface="+mj-ea"/>
-                <a:ea typeface="+mj-ea"/>
+                <a:latin typeface="나눔스퀘어OTF" panose="020B0600000101010101" pitchFamily="34" charset="-127"/>
+                <a:ea typeface="나눔스퀘어OTF" panose="020B0600000101010101" pitchFamily="34" charset="-127"/>
               </a:rPr>
               <a:t>2. 🤖 </a:t>
             </a:r>
             <a:r>
               <a:rPr lang="ko-KR" altLang="en-US" dirty="0" err="1">
-                <a:latin typeface="+mj-ea"/>
-                <a:ea typeface="+mj-ea"/>
+                <a:latin typeface="나눔스퀘어OTF" panose="020B0600000101010101" pitchFamily="34" charset="-127"/>
+                <a:ea typeface="나눔스퀘어OTF" panose="020B0600000101010101" pitchFamily="34" charset="-127"/>
               </a:rPr>
               <a:t>OpenAI</a:t>
             </a:r>
             <a:r>
               <a:rPr lang="ko-KR" altLang="en-US" dirty="0">
-                <a:latin typeface="+mj-ea"/>
-                <a:ea typeface="+mj-ea"/>
+                <a:latin typeface="나눔스퀘어OTF" panose="020B0600000101010101" pitchFamily="34" charset="-127"/>
+                <a:ea typeface="나눔스퀘어OTF" panose="020B0600000101010101" pitchFamily="34" charset="-127"/>
               </a:rPr>
               <a:t> 모델 활용</a:t>
             </a:r>
@@ -4518,59 +4526,59 @@
           <a:p>
             <a:r>
               <a:rPr lang="ko-KR" altLang="en-US" dirty="0" err="1">
-                <a:latin typeface="+mj-ea"/>
-                <a:ea typeface="+mj-ea"/>
+                <a:latin typeface="나눔스퀘어OTF" panose="020B0600000101010101" pitchFamily="34" charset="-127"/>
+                <a:ea typeface="나눔스퀘어OTF" panose="020B0600000101010101" pitchFamily="34" charset="-127"/>
               </a:rPr>
               <a:t>OpenAI의</a:t>
             </a:r>
             <a:r>
               <a:rPr lang="ko-KR" altLang="en-US" dirty="0">
-                <a:latin typeface="+mj-ea"/>
-                <a:ea typeface="+mj-ea"/>
+                <a:latin typeface="나눔스퀘어OTF" panose="020B0600000101010101" pitchFamily="34" charset="-127"/>
+                <a:ea typeface="나눔스퀘어OTF" panose="020B0600000101010101" pitchFamily="34" charset="-127"/>
               </a:rPr>
               <a:t> GPT-4 </a:t>
             </a:r>
             <a:r>
               <a:rPr lang="ko-KR" altLang="en-US" dirty="0" err="1">
-                <a:latin typeface="+mj-ea"/>
-                <a:ea typeface="+mj-ea"/>
+                <a:latin typeface="나눔스퀘어OTF" panose="020B0600000101010101" pitchFamily="34" charset="-127"/>
+                <a:ea typeface="나눔스퀘어OTF" panose="020B0600000101010101" pitchFamily="34" charset="-127"/>
               </a:rPr>
               <a:t>API를</a:t>
             </a:r>
             <a:r>
               <a:rPr lang="ko-KR" altLang="en-US" dirty="0">
-                <a:latin typeface="+mj-ea"/>
-                <a:ea typeface="+mj-ea"/>
+                <a:latin typeface="나눔스퀘어OTF" panose="020B0600000101010101" pitchFamily="34" charset="-127"/>
+                <a:ea typeface="나눔스퀘어OTF" panose="020B0600000101010101" pitchFamily="34" charset="-127"/>
               </a:rPr>
               <a:t> 활용해 사용자 질문을 자연어로 이해하고,</a:t>
             </a:r>
           </a:p>
           <a:p>
             <a:endParaRPr lang="ko-KR" altLang="en-US" dirty="0">
-              <a:latin typeface="+mj-ea"/>
-              <a:ea typeface="+mj-ea"/>
+              <a:latin typeface="나눔스퀘어OTF" panose="020B0600000101010101" pitchFamily="34" charset="-127"/>
+              <a:ea typeface="나눔스퀘어OTF" panose="020B0600000101010101" pitchFamily="34" charset="-127"/>
             </a:endParaRPr>
           </a:p>
           <a:p>
             <a:r>
               <a:rPr lang="ko-KR" altLang="en-US" dirty="0">
-                <a:latin typeface="+mj-ea"/>
-                <a:ea typeface="+mj-ea"/>
+                <a:latin typeface="나눔스퀘어OTF" panose="020B0600000101010101" pitchFamily="34" charset="-127"/>
+                <a:ea typeface="나눔스퀘어OTF" panose="020B0600000101010101" pitchFamily="34" charset="-127"/>
               </a:rPr>
               <a:t>의도 파악 + 유사 FAQ 매칭 + 답변 생성까지 자동화 처리</a:t>
             </a:r>
           </a:p>
           <a:p>
             <a:endParaRPr lang="ko-KR" altLang="en-US" dirty="0">
-              <a:latin typeface="+mj-ea"/>
-              <a:ea typeface="+mj-ea"/>
+              <a:latin typeface="나눔스퀘어OTF" panose="020B0600000101010101" pitchFamily="34" charset="-127"/>
+              <a:ea typeface="나눔스퀘어OTF" panose="020B0600000101010101" pitchFamily="34" charset="-127"/>
             </a:endParaRPr>
           </a:p>
           <a:p>
             <a:r>
               <a:rPr lang="ko-KR" altLang="en-US" dirty="0">
-                <a:latin typeface="+mj-ea"/>
-                <a:ea typeface="+mj-ea"/>
+                <a:latin typeface="나눔스퀘어OTF" panose="020B0600000101010101" pitchFamily="34" charset="-127"/>
+                <a:ea typeface="나눔스퀘어OTF" panose="020B0600000101010101" pitchFamily="34" charset="-127"/>
               </a:rPr>
               <a:t>3. 🧠 스마트 답변 구성</a:t>
             </a:r>
@@ -4578,20 +4586,20 @@
           <a:p>
             <a:r>
               <a:rPr lang="ko-KR" altLang="en-US" dirty="0">
-                <a:latin typeface="+mj-ea"/>
-                <a:ea typeface="+mj-ea"/>
+                <a:latin typeface="나눔스퀘어OTF" panose="020B0600000101010101" pitchFamily="34" charset="-127"/>
+                <a:ea typeface="나눔스퀘어OTF" panose="020B0600000101010101" pitchFamily="34" charset="-127"/>
               </a:rPr>
               <a:t>모든 응답은 다음과 같은 고정된 서식으로 통일</a:t>
             </a:r>
             <a:endParaRPr lang="en-US" altLang="ko-KR" dirty="0">
-              <a:latin typeface="+mj-ea"/>
-              <a:ea typeface="+mj-ea"/>
+              <a:latin typeface="나눔스퀘어OTF" panose="020B0600000101010101" pitchFamily="34" charset="-127"/>
+              <a:ea typeface="나눔스퀘어OTF" panose="020B0600000101010101" pitchFamily="34" charset="-127"/>
             </a:endParaRPr>
           </a:p>
           <a:p>
             <a:endParaRPr lang="en-US" altLang="ko-KR" dirty="0">
-              <a:latin typeface="+mj-ea"/>
-              <a:ea typeface="+mj-ea"/>
+              <a:latin typeface="나눔스퀘어OTF" panose="020B0600000101010101" pitchFamily="34" charset="-127"/>
+              <a:ea typeface="나눔스퀘어OTF" panose="020B0600000101010101" pitchFamily="34" charset="-127"/>
             </a:endParaRPr>
           </a:p>
           <a:p>
@@ -4603,8 +4611,8 @@
                     <a:lumOff val="40000"/>
                   </a:schemeClr>
                 </a:solidFill>
-                <a:latin typeface="+mj-ea"/>
-                <a:ea typeface="+mj-ea"/>
+                <a:latin typeface="나눔스퀘어OTF" panose="020B0600000101010101" pitchFamily="34" charset="-127"/>
+                <a:ea typeface="나눔스퀘어OTF" panose="020B0600000101010101" pitchFamily="34" charset="-127"/>
               </a:rPr>
               <a:t>-1.</a:t>
             </a:r>
@@ -4616,8 +4624,8 @@
                     <a:lumOff val="40000"/>
                   </a:schemeClr>
                 </a:solidFill>
-                <a:latin typeface="+mj-ea"/>
-                <a:ea typeface="+mj-ea"/>
+                <a:latin typeface="나눔스퀘어OTF" panose="020B0600000101010101" pitchFamily="34" charset="-127"/>
+                <a:ea typeface="나눔스퀘어OTF" panose="020B0600000101010101" pitchFamily="34" charset="-127"/>
               </a:rPr>
               <a:t>인사말 </a:t>
             </a:r>
@@ -4628,8 +4636,8 @@
                   <a:lumOff val="40000"/>
                 </a:schemeClr>
               </a:solidFill>
-              <a:latin typeface="+mj-ea"/>
-              <a:ea typeface="+mj-ea"/>
+              <a:latin typeface="나눔스퀘어OTF" panose="020B0600000101010101" pitchFamily="34" charset="-127"/>
+              <a:ea typeface="나눔스퀘어OTF" panose="020B0600000101010101" pitchFamily="34" charset="-127"/>
             </a:endParaRPr>
           </a:p>
           <a:p>
@@ -4640,8 +4648,8 @@
                   <a:lumOff val="40000"/>
                 </a:schemeClr>
               </a:solidFill>
-              <a:latin typeface="+mj-ea"/>
-              <a:ea typeface="+mj-ea"/>
+              <a:latin typeface="나눔스퀘어OTF" panose="020B0600000101010101" pitchFamily="34" charset="-127"/>
+              <a:ea typeface="나눔스퀘어OTF" panose="020B0600000101010101" pitchFamily="34" charset="-127"/>
             </a:endParaRPr>
           </a:p>
           <a:p>
@@ -4653,8 +4661,8 @@
                     <a:lumOff val="40000"/>
                   </a:schemeClr>
                 </a:solidFill>
-                <a:latin typeface="+mj-ea"/>
-                <a:ea typeface="+mj-ea"/>
+                <a:latin typeface="나눔스퀘어OTF" panose="020B0600000101010101" pitchFamily="34" charset="-127"/>
+                <a:ea typeface="나눔스퀘어OTF" panose="020B0600000101010101" pitchFamily="34" charset="-127"/>
               </a:rPr>
               <a:t>-2.</a:t>
             </a:r>
@@ -4666,8 +4674,8 @@
                     <a:lumOff val="40000"/>
                   </a:schemeClr>
                 </a:solidFill>
-                <a:latin typeface="+mj-ea"/>
-                <a:ea typeface="+mj-ea"/>
+                <a:latin typeface="나눔스퀘어OTF" panose="020B0600000101010101" pitchFamily="34" charset="-127"/>
+                <a:ea typeface="나눔스퀘어OTF" panose="020B0600000101010101" pitchFamily="34" charset="-127"/>
               </a:rPr>
               <a:t>학습한 자료 </a:t>
             </a:r>
@@ -4678,8 +4686,8 @@
                   <a:lumOff val="40000"/>
                 </a:schemeClr>
               </a:solidFill>
-              <a:latin typeface="+mj-ea"/>
-              <a:ea typeface="+mj-ea"/>
+              <a:latin typeface="나눔스퀘어OTF" panose="020B0600000101010101" pitchFamily="34" charset="-127"/>
+              <a:ea typeface="나눔스퀘어OTF" panose="020B0600000101010101" pitchFamily="34" charset="-127"/>
             </a:endParaRPr>
           </a:p>
           <a:p>
@@ -4691,8 +4699,8 @@
                     <a:lumOff val="40000"/>
                   </a:schemeClr>
                 </a:solidFill>
-                <a:latin typeface="+mj-ea"/>
-                <a:ea typeface="+mj-ea"/>
+                <a:latin typeface="나눔스퀘어OTF" panose="020B0600000101010101" pitchFamily="34" charset="-127"/>
+                <a:ea typeface="나눔스퀘어OTF" panose="020B0600000101010101" pitchFamily="34" charset="-127"/>
               </a:rPr>
               <a:t> </a:t>
             </a:r>
@@ -4703,8 +4711,8 @@
                   <a:lumOff val="40000"/>
                 </a:schemeClr>
               </a:solidFill>
-              <a:latin typeface="+mj-ea"/>
-              <a:ea typeface="+mj-ea"/>
+              <a:latin typeface="나눔스퀘어OTF" panose="020B0600000101010101" pitchFamily="34" charset="-127"/>
+              <a:ea typeface="나눔스퀘어OTF" panose="020B0600000101010101" pitchFamily="34" charset="-127"/>
             </a:endParaRPr>
           </a:p>
           <a:p>
@@ -4715,8 +4723,8 @@
                     <a:lumMod val="75000"/>
                   </a:schemeClr>
                 </a:solidFill>
-                <a:latin typeface="+mj-ea"/>
-                <a:ea typeface="+mj-ea"/>
+                <a:latin typeface="나눔스퀘어OTF" panose="020B0600000101010101" pitchFamily="34" charset="-127"/>
+                <a:ea typeface="나눔스퀘어OTF" panose="020B0600000101010101" pitchFamily="34" charset="-127"/>
               </a:rPr>
               <a:t>-3.</a:t>
             </a:r>
@@ -4727,8 +4735,8 @@
                     <a:lumMod val="75000"/>
                   </a:schemeClr>
                 </a:solidFill>
-                <a:latin typeface="+mj-ea"/>
-                <a:ea typeface="+mj-ea"/>
+                <a:latin typeface="나눔스퀘어OTF" panose="020B0600000101010101" pitchFamily="34" charset="-127"/>
+                <a:ea typeface="나눔스퀘어OTF" panose="020B0600000101010101" pitchFamily="34" charset="-127"/>
               </a:rPr>
               <a:t>끝 맺음말</a:t>
             </a:r>
@@ -4738,8 +4746,8 @@
                   <a:lumMod val="75000"/>
                 </a:schemeClr>
               </a:solidFill>
-              <a:latin typeface="+mj-ea"/>
-              <a:ea typeface="+mj-ea"/>
+              <a:latin typeface="나눔스퀘어OTF" panose="020B0600000101010101" pitchFamily="34" charset="-127"/>
+              <a:ea typeface="나눔스퀘어OTF" panose="020B0600000101010101" pitchFamily="34" charset="-127"/>
             </a:endParaRPr>
           </a:p>
           <a:p>
@@ -4749,8 +4757,8 @@
                   <a:lumMod val="75000"/>
                 </a:schemeClr>
               </a:solidFill>
-              <a:latin typeface="+mj-ea"/>
-              <a:ea typeface="+mj-ea"/>
+              <a:latin typeface="나눔스퀘어OTF" panose="020B0600000101010101" pitchFamily="34" charset="-127"/>
+              <a:ea typeface="나눔스퀘어OTF" panose="020B0600000101010101" pitchFamily="34" charset="-127"/>
             </a:endParaRPr>
           </a:p>
           <a:p>
@@ -4762,8 +4770,8 @@
                     <a:lumOff val="40000"/>
                   </a:schemeClr>
                 </a:solidFill>
-                <a:latin typeface="+mj-ea"/>
-                <a:ea typeface="+mj-ea"/>
+                <a:latin typeface="나눔스퀘어OTF" panose="020B0600000101010101" pitchFamily="34" charset="-127"/>
+                <a:ea typeface="나눔스퀘어OTF" panose="020B0600000101010101" pitchFamily="34" charset="-127"/>
               </a:rPr>
               <a:t>-4,</a:t>
             </a:r>
@@ -4775,8 +4783,8 @@
                     <a:lumOff val="40000"/>
                   </a:schemeClr>
                 </a:solidFill>
-                <a:latin typeface="+mj-ea"/>
-                <a:ea typeface="+mj-ea"/>
+                <a:latin typeface="나눔스퀘어OTF" panose="020B0600000101010101" pitchFamily="34" charset="-127"/>
+                <a:ea typeface="나눔스퀘어OTF" panose="020B0600000101010101" pitchFamily="34" charset="-127"/>
               </a:rPr>
               <a:t>차후 처리방안 까지 제안 </a:t>
             </a:r>
@@ -4787,8 +4795,8 @@
                   <a:lumOff val="40000"/>
                 </a:schemeClr>
               </a:solidFill>
-              <a:latin typeface="+mj-ea"/>
-              <a:ea typeface="+mj-ea"/>
+              <a:latin typeface="나눔스퀘어OTF" panose="020B0600000101010101" pitchFamily="34" charset="-127"/>
+              <a:ea typeface="나눔스퀘어OTF" panose="020B0600000101010101" pitchFamily="34" charset="-127"/>
             </a:endParaRPr>
           </a:p>
           <a:p>
@@ -4799,20 +4807,20 @@
                   <a:lumOff val="40000"/>
                 </a:schemeClr>
               </a:solidFill>
-              <a:latin typeface="+mj-ea"/>
-              <a:ea typeface="+mj-ea"/>
+              <a:latin typeface="나눔스퀘어OTF" panose="020B0600000101010101" pitchFamily="34" charset="-127"/>
+              <a:ea typeface="나눔스퀘어OTF" panose="020B0600000101010101" pitchFamily="34" charset="-127"/>
             </a:endParaRPr>
           </a:p>
           <a:p>
             <a:endParaRPr lang="en-US" altLang="ko-KR" sz="1600" dirty="0">
-              <a:latin typeface="+mj-ea"/>
-              <a:ea typeface="+mj-ea"/>
+              <a:latin typeface="나눔스퀘어OTF" panose="020B0600000101010101" pitchFamily="34" charset="-127"/>
+              <a:ea typeface="나눔스퀘어OTF" panose="020B0600000101010101" pitchFamily="34" charset="-127"/>
             </a:endParaRPr>
           </a:p>
           <a:p>
             <a:endParaRPr lang="en-US" altLang="ko-KR" sz="1600" dirty="0">
-              <a:latin typeface="+mj-ea"/>
-              <a:ea typeface="+mj-ea"/>
+              <a:latin typeface="나눔스퀘어OTF" panose="020B0600000101010101" pitchFamily="34" charset="-127"/>
+              <a:ea typeface="나눔스퀘어OTF" panose="020B0600000101010101" pitchFamily="34" charset="-127"/>
             </a:endParaRPr>
           </a:p>
           <a:p>
@@ -4824,8 +4832,8 @@
                     <a:lumOff val="40000"/>
                   </a:schemeClr>
                 </a:solidFill>
-                <a:latin typeface="+mj-ea"/>
-                <a:ea typeface="+mj-ea"/>
+                <a:latin typeface="나눔스퀘어OTF" panose="020B0600000101010101" pitchFamily="34" charset="-127"/>
+                <a:ea typeface="나눔스퀘어OTF" panose="020B0600000101010101" pitchFamily="34" charset="-127"/>
               </a:rPr>
               <a:t>(1)</a:t>
             </a:r>
@@ -4837,8 +4845,8 @@
                     <a:lumOff val="40000"/>
                   </a:schemeClr>
                 </a:solidFill>
-                <a:latin typeface="+mj-ea"/>
-                <a:ea typeface="+mj-ea"/>
+                <a:latin typeface="나눔스퀘어OTF" panose="020B0600000101010101" pitchFamily="34" charset="-127"/>
+                <a:ea typeface="나눔스퀘어OTF" panose="020B0600000101010101" pitchFamily="34" charset="-127"/>
               </a:rPr>
               <a:t>안녕하세요 고객님 </a:t>
             </a:r>
@@ -4850,8 +4858,8 @@
                     <a:lumOff val="40000"/>
                   </a:schemeClr>
                 </a:solidFill>
-                <a:latin typeface="+mj-ea"/>
-                <a:ea typeface="+mj-ea"/>
+                <a:latin typeface="나눔스퀘어OTF" panose="020B0600000101010101" pitchFamily="34" charset="-127"/>
+                <a:ea typeface="나눔스퀘어OTF" panose="020B0600000101010101" pitchFamily="34" charset="-127"/>
               </a:rPr>
               <a:t>아이베</a:t>
             </a:r>
@@ -4863,8 +4871,8 @@
                     <a:lumOff val="40000"/>
                   </a:schemeClr>
                 </a:solidFill>
-                <a:latin typeface="+mj-ea"/>
-                <a:ea typeface="+mj-ea"/>
+                <a:latin typeface="나눔스퀘어OTF" panose="020B0600000101010101" pitchFamily="34" charset="-127"/>
+                <a:ea typeface="나눔스퀘어OTF" panose="020B0600000101010101" pitchFamily="34" charset="-127"/>
               </a:rPr>
               <a:t> 총판 </a:t>
             </a:r>
@@ -4876,8 +4884,8 @@
                     <a:lumOff val="40000"/>
                   </a:schemeClr>
                 </a:solidFill>
-                <a:latin typeface="+mj-ea"/>
-                <a:ea typeface="+mj-ea"/>
+                <a:latin typeface="나눔스퀘어OTF" panose="020B0600000101010101" pitchFamily="34" charset="-127"/>
+                <a:ea typeface="나눔스퀘어OTF" panose="020B0600000101010101" pitchFamily="34" charset="-127"/>
               </a:rPr>
               <a:t>드리미입니다</a:t>
             </a:r>
@@ -4889,8 +4897,8 @@
                     <a:lumOff val="40000"/>
                   </a:schemeClr>
                 </a:solidFill>
-                <a:latin typeface="+mj-ea"/>
-                <a:ea typeface="+mj-ea"/>
+                <a:latin typeface="나눔스퀘어OTF" panose="020B0600000101010101" pitchFamily="34" charset="-127"/>
+                <a:ea typeface="나눔스퀘어OTF" panose="020B0600000101010101" pitchFamily="34" charset="-127"/>
               </a:rPr>
               <a:t>. </a:t>
             </a:r>
@@ -4903,8 +4911,8 @@
                   <a:lumOff val="40000"/>
                 </a:schemeClr>
               </a:solidFill>
-              <a:latin typeface="+mj-ea"/>
-              <a:ea typeface="+mj-ea"/>
+              <a:latin typeface="나눔스퀘어OTF" panose="020B0600000101010101" pitchFamily="34" charset="-127"/>
+              <a:ea typeface="나눔스퀘어OTF" panose="020B0600000101010101" pitchFamily="34" charset="-127"/>
             </a:endParaRPr>
           </a:p>
           <a:p>
@@ -4916,8 +4924,8 @@
                     <a:lumOff val="40000"/>
                   </a:schemeClr>
                 </a:solidFill>
-                <a:latin typeface="+mj-ea"/>
-                <a:ea typeface="+mj-ea"/>
+                <a:latin typeface="나눔스퀘어OTF" panose="020B0600000101010101" pitchFamily="34" charset="-127"/>
+                <a:ea typeface="나눔스퀘어OTF" panose="020B0600000101010101" pitchFamily="34" charset="-127"/>
               </a:rPr>
               <a:t>(2)</a:t>
             </a:r>
@@ -4929,8 +4937,8 @@
                     <a:lumOff val="40000"/>
                   </a:schemeClr>
                 </a:solidFill>
-                <a:latin typeface="+mj-ea"/>
-                <a:ea typeface="+mj-ea"/>
+                <a:latin typeface="나눔스퀘어OTF" panose="020B0600000101010101" pitchFamily="34" charset="-127"/>
+                <a:ea typeface="나눔스퀘어OTF" panose="020B0600000101010101" pitchFamily="34" charset="-127"/>
               </a:rPr>
               <a:t>답변내용</a:t>
             </a:r>
@@ -4941,8 +4949,8 @@
                   <a:lumOff val="40000"/>
                 </a:schemeClr>
               </a:solidFill>
-              <a:latin typeface="+mj-ea"/>
-              <a:ea typeface="+mj-ea"/>
+              <a:latin typeface="나눔스퀘어OTF" panose="020B0600000101010101" pitchFamily="34" charset="-127"/>
+              <a:ea typeface="나눔스퀘어OTF" panose="020B0600000101010101" pitchFamily="34" charset="-127"/>
             </a:endParaRPr>
           </a:p>
           <a:p>
@@ -4952,8 +4960,8 @@
                   <a:lumMod val="75000"/>
                 </a:schemeClr>
               </a:solidFill>
-              <a:latin typeface="+mj-ea"/>
-              <a:ea typeface="+mj-ea"/>
+              <a:latin typeface="나눔스퀘어OTF" panose="020B0600000101010101" pitchFamily="34" charset="-127"/>
+              <a:ea typeface="나눔스퀘어OTF" panose="020B0600000101010101" pitchFamily="34" charset="-127"/>
             </a:endParaRPr>
           </a:p>
           <a:p>
@@ -4964,8 +4972,8 @@
                     <a:lumMod val="75000"/>
                   </a:schemeClr>
                 </a:solidFill>
-                <a:latin typeface="+mj-ea"/>
-                <a:ea typeface="+mj-ea"/>
+                <a:latin typeface="나눔스퀘어OTF" panose="020B0600000101010101" pitchFamily="34" charset="-127"/>
+                <a:ea typeface="나눔스퀘어OTF" panose="020B0600000101010101" pitchFamily="34" charset="-127"/>
               </a:rPr>
               <a:t>(3)</a:t>
             </a:r>
@@ -4976,8 +4984,8 @@
                     <a:lumMod val="75000"/>
                   </a:schemeClr>
                 </a:solidFill>
-                <a:latin typeface="+mj-ea"/>
-                <a:ea typeface="+mj-ea"/>
+                <a:latin typeface="나눔스퀘어OTF" panose="020B0600000101010101" pitchFamily="34" charset="-127"/>
+                <a:ea typeface="나눔스퀘어OTF" panose="020B0600000101010101" pitchFamily="34" charset="-127"/>
               </a:rPr>
               <a:t> 이외 궁금하신 내용은 언제든지 고객센터 </a:t>
             </a:r>
@@ -4988,8 +4996,8 @@
                     <a:lumMod val="75000"/>
                   </a:schemeClr>
                 </a:solidFill>
-                <a:latin typeface="+mj-ea"/>
-                <a:ea typeface="+mj-ea"/>
+                <a:latin typeface="나눔스퀘어OTF" panose="020B0600000101010101" pitchFamily="34" charset="-127"/>
+                <a:ea typeface="나눔스퀘어OTF" panose="020B0600000101010101" pitchFamily="34" charset="-127"/>
               </a:rPr>
               <a:t>(0000-0000) </a:t>
             </a:r>
@@ -5000,8 +5008,8 @@
                     <a:lumMod val="75000"/>
                   </a:schemeClr>
                 </a:solidFill>
-                <a:latin typeface="+mj-ea"/>
-                <a:ea typeface="+mj-ea"/>
+                <a:latin typeface="나눔스퀘어OTF" panose="020B0600000101010101" pitchFamily="34" charset="-127"/>
+                <a:ea typeface="나눔스퀘어OTF" panose="020B0600000101010101" pitchFamily="34" charset="-127"/>
               </a:rPr>
               <a:t>으로 연락주세요 감사합니다</a:t>
             </a:r>
@@ -5012,20 +5020,20 @@
                     <a:lumMod val="75000"/>
                   </a:schemeClr>
                 </a:solidFill>
-                <a:latin typeface="+mj-ea"/>
-                <a:ea typeface="+mj-ea"/>
+                <a:latin typeface="나눔스퀘어OTF" panose="020B0600000101010101" pitchFamily="34" charset="-127"/>
+                <a:ea typeface="나눔스퀘어OTF" panose="020B0600000101010101" pitchFamily="34" charset="-127"/>
               </a:rPr>
               <a:t>.</a:t>
             </a:r>
             <a:br>
               <a:rPr lang="en-US" altLang="ko-KR" sz="1600" dirty="0">
-                <a:latin typeface="+mj-ea"/>
-                <a:ea typeface="+mj-ea"/>
+                <a:latin typeface="나눔스퀘어OTF" panose="020B0600000101010101" pitchFamily="34" charset="-127"/>
+                <a:ea typeface="나눔스퀘어OTF" panose="020B0600000101010101" pitchFamily="34" charset="-127"/>
               </a:rPr>
             </a:br>
             <a:endParaRPr lang="en-US" altLang="ko-KR" sz="1600" dirty="0">
-              <a:latin typeface="+mj-ea"/>
-              <a:ea typeface="+mj-ea"/>
+              <a:latin typeface="나눔스퀘어OTF" panose="020B0600000101010101" pitchFamily="34" charset="-127"/>
+              <a:ea typeface="나눔스퀘어OTF" panose="020B0600000101010101" pitchFamily="34" charset="-127"/>
             </a:endParaRPr>
           </a:p>
           <a:p>
@@ -5037,8 +5045,8 @@
                     <a:lumOff val="40000"/>
                   </a:schemeClr>
                 </a:solidFill>
-                <a:latin typeface="+mj-ea"/>
-                <a:ea typeface="+mj-ea"/>
+                <a:latin typeface="나눔스퀘어OTF" panose="020B0600000101010101" pitchFamily="34" charset="-127"/>
+                <a:ea typeface="나눔스퀘어OTF" panose="020B0600000101010101" pitchFamily="34" charset="-127"/>
               </a:rPr>
               <a:t>(4)</a:t>
             </a:r>
@@ -5050,8 +5058,8 @@
                     <a:lumOff val="40000"/>
                   </a:schemeClr>
                 </a:solidFill>
-                <a:latin typeface="+mj-ea"/>
-                <a:ea typeface="+mj-ea"/>
+                <a:latin typeface="나눔스퀘어OTF" panose="020B0600000101010101" pitchFamily="34" charset="-127"/>
+                <a:ea typeface="나눔스퀘어OTF" panose="020B0600000101010101" pitchFamily="34" charset="-127"/>
               </a:rPr>
               <a:t>이런 케이스의 문의가 발생될 경우 누구누구 에게 </a:t>
             </a:r>
@@ -5063,8 +5071,8 @@
                     <a:lumOff val="40000"/>
                   </a:schemeClr>
                 </a:solidFill>
-                <a:latin typeface="+mj-ea"/>
-                <a:ea typeface="+mj-ea"/>
+                <a:latin typeface="나눔스퀘어OTF" panose="020B0600000101010101" pitchFamily="34" charset="-127"/>
+                <a:ea typeface="나눔스퀘어OTF" panose="020B0600000101010101" pitchFamily="34" charset="-127"/>
               </a:rPr>
               <a:t>000</a:t>
             </a:r>
@@ -5076,8 +5084,8 @@
                     <a:lumOff val="40000"/>
                   </a:schemeClr>
                 </a:solidFill>
-                <a:latin typeface="+mj-ea"/>
-                <a:ea typeface="+mj-ea"/>
+                <a:latin typeface="나눔스퀘어OTF" panose="020B0600000101010101" pitchFamily="34" charset="-127"/>
+                <a:ea typeface="나눔스퀘어OTF" panose="020B0600000101010101" pitchFamily="34" charset="-127"/>
               </a:rPr>
               <a:t>품목을 추가로 요청하여 고객주소지로 배송 해드릴 수 있도록 해보자</a:t>
             </a:r>
@@ -5089,8 +5097,8 @@
                     <a:lumOff val="40000"/>
                   </a:schemeClr>
                 </a:solidFill>
-                <a:latin typeface="+mj-ea"/>
-                <a:ea typeface="+mj-ea"/>
+                <a:latin typeface="나눔스퀘어OTF" panose="020B0600000101010101" pitchFamily="34" charset="-127"/>
+                <a:ea typeface="나눔스퀘어OTF" panose="020B0600000101010101" pitchFamily="34" charset="-127"/>
               </a:rPr>
               <a:t>! </a:t>
             </a:r>
@@ -5104,8 +5112,8 @@
                     <a:lumOff val="40000"/>
                   </a:schemeClr>
                 </a:solidFill>
-                <a:latin typeface="+mj-ea"/>
-                <a:ea typeface="+mj-ea"/>
+                <a:latin typeface="나눔스퀘어OTF" panose="020B0600000101010101" pitchFamily="34" charset="-127"/>
+                <a:ea typeface="나눔스퀘어OTF" panose="020B0600000101010101" pitchFamily="34" charset="-127"/>
               </a:rPr>
               <a:t>등의 자동 피드백 제공 </a:t>
             </a:r>
@@ -5116,8 +5124,8 @@
                   <a:lumOff val="40000"/>
                 </a:schemeClr>
               </a:solidFill>
-              <a:latin typeface="+mj-ea"/>
-              <a:ea typeface="+mj-ea"/>
+              <a:latin typeface="나눔스퀘어OTF" panose="020B0600000101010101" pitchFamily="34" charset="-127"/>
+              <a:ea typeface="나눔스퀘어OTF" panose="020B0600000101010101" pitchFamily="34" charset="-127"/>
             </a:endParaRPr>
           </a:p>
           <a:p>
@@ -5299,11 +5307,17 @@
           <a:lstStyle/>
           <a:p>
             <a:r>
-              <a:rPr lang="ko-KR" altLang="en-US" sz="2400" dirty="0"/>
+              <a:rPr lang="ko-KR" altLang="en-US" sz="2400" dirty="0">
+                <a:latin typeface="나눔스퀘어OTF" panose="020B0600000101010101" pitchFamily="34" charset="-127"/>
+                <a:ea typeface="나눔스퀘어OTF" panose="020B0600000101010101" pitchFamily="34" charset="-127"/>
+              </a:rPr>
               <a:t>🧩 </a:t>
             </a:r>
             <a:r>
-              <a:rPr lang="ko-KR" altLang="en-US" sz="2400" b="1" dirty="0"/>
+              <a:rPr lang="ko-KR" altLang="en-US" sz="2400" b="1" dirty="0">
+                <a:latin typeface="나눔스퀘어OTF" panose="020B0600000101010101" pitchFamily="34" charset="-127"/>
+                <a:ea typeface="나눔스퀘어OTF" panose="020B0600000101010101" pitchFamily="34" charset="-127"/>
+              </a:rPr>
               <a:t>시스템 구성도 (예시)</a:t>
             </a:r>
           </a:p>
@@ -5345,6 +5359,8 @@
                     <a:lumOff val="80000"/>
                   </a:schemeClr>
                 </a:solidFill>
+                <a:latin typeface="나눔스퀘어OTF" panose="020B0600000101010101" pitchFamily="34" charset="-127"/>
+                <a:ea typeface="나눔스퀘어OTF" panose="020B0600000101010101" pitchFamily="34" charset="-127"/>
               </a:rPr>
               <a:t>[사용자 질문 입력]</a:t>
             </a:r>
@@ -5358,6 +5374,8 @@
                     <a:lumOff val="80000"/>
                   </a:schemeClr>
                 </a:solidFill>
+                <a:latin typeface="나눔스퀘어OTF" panose="020B0600000101010101" pitchFamily="34" charset="-127"/>
+                <a:ea typeface="나눔스퀘어OTF" panose="020B0600000101010101" pitchFamily="34" charset="-127"/>
               </a:rPr>
               <a:t>        ↓</a:t>
             </a:r>
@@ -5371,6 +5389,8 @@
                     <a:lumOff val="80000"/>
                   </a:schemeClr>
                 </a:solidFill>
+                <a:latin typeface="나눔스퀘어OTF" panose="020B0600000101010101" pitchFamily="34" charset="-127"/>
+                <a:ea typeface="나눔스퀘어OTF" panose="020B0600000101010101" pitchFamily="34" charset="-127"/>
               </a:rPr>
               <a:t>[AI 자연어 처리 → 의도 및 키워드 추출]</a:t>
             </a:r>
@@ -5384,6 +5404,8 @@
                     <a:lumOff val="80000"/>
                   </a:schemeClr>
                 </a:solidFill>
+                <a:latin typeface="나눔스퀘어OTF" panose="020B0600000101010101" pitchFamily="34" charset="-127"/>
+                <a:ea typeface="나눔스퀘어OTF" panose="020B0600000101010101" pitchFamily="34" charset="-127"/>
               </a:rPr>
               <a:t>        ↓</a:t>
             </a:r>
@@ -5397,6 +5419,8 @@
                     <a:lumOff val="80000"/>
                   </a:schemeClr>
                 </a:solidFill>
+                <a:latin typeface="나눔스퀘어OTF" panose="020B0600000101010101" pitchFamily="34" charset="-127"/>
+                <a:ea typeface="나눔스퀘어OTF" panose="020B0600000101010101" pitchFamily="34" charset="-127"/>
               </a:rPr>
               <a:t>[내부 FAQ </a:t>
             </a:r>
@@ -5408,6 +5432,8 @@
                     <a:lumOff val="80000"/>
                   </a:schemeClr>
                 </a:solidFill>
+                <a:latin typeface="나눔스퀘어OTF" panose="020B0600000101010101" pitchFamily="34" charset="-127"/>
+                <a:ea typeface="나눔스퀘어OTF" panose="020B0600000101010101" pitchFamily="34" charset="-127"/>
               </a:rPr>
               <a:t>DB에서</a:t>
             </a:r>
@@ -5419,6 +5445,8 @@
                     <a:lumOff val="80000"/>
                   </a:schemeClr>
                 </a:solidFill>
+                <a:latin typeface="나눔스퀘어OTF" panose="020B0600000101010101" pitchFamily="34" charset="-127"/>
+                <a:ea typeface="나눔스퀘어OTF" panose="020B0600000101010101" pitchFamily="34" charset="-127"/>
               </a:rPr>
               <a:t> 유사도 기반 검색]</a:t>
             </a:r>
@@ -5432,6 +5460,8 @@
                     <a:lumOff val="80000"/>
                   </a:schemeClr>
                 </a:solidFill>
+                <a:latin typeface="나눔스퀘어OTF" panose="020B0600000101010101" pitchFamily="34" charset="-127"/>
+                <a:ea typeface="나눔스퀘어OTF" panose="020B0600000101010101" pitchFamily="34" charset="-127"/>
               </a:rPr>
               <a:t>        ↓</a:t>
             </a:r>
@@ -5445,6 +5475,8 @@
                     <a:lumOff val="80000"/>
                   </a:schemeClr>
                 </a:solidFill>
+                <a:latin typeface="나눔스퀘어OTF" panose="020B0600000101010101" pitchFamily="34" charset="-127"/>
+                <a:ea typeface="나눔스퀘어OTF" panose="020B0600000101010101" pitchFamily="34" charset="-127"/>
               </a:rPr>
               <a:t>[가장 적절한 응답 선택 </a:t>
             </a:r>
@@ -5456,6 +5488,8 @@
                     <a:lumOff val="80000"/>
                   </a:schemeClr>
                 </a:solidFill>
+                <a:latin typeface="나눔스퀘어OTF" panose="020B0600000101010101" pitchFamily="34" charset="-127"/>
+                <a:ea typeface="나눔스퀘어OTF" panose="020B0600000101010101" pitchFamily="34" charset="-127"/>
               </a:rPr>
               <a:t>or</a:t>
             </a:r>
@@ -5467,6 +5501,8 @@
                     <a:lumOff val="80000"/>
                   </a:schemeClr>
                 </a:solidFill>
+                <a:latin typeface="나눔스퀘어OTF" panose="020B0600000101010101" pitchFamily="34" charset="-127"/>
+                <a:ea typeface="나눔스퀘어OTF" panose="020B0600000101010101" pitchFamily="34" charset="-127"/>
               </a:rPr>
               <a:t> 생성]</a:t>
             </a:r>
@@ -5480,6 +5516,8 @@
                     <a:lumOff val="80000"/>
                   </a:schemeClr>
                 </a:solidFill>
+                <a:latin typeface="나눔스퀘어OTF" panose="020B0600000101010101" pitchFamily="34" charset="-127"/>
+                <a:ea typeface="나눔스퀘어OTF" panose="020B0600000101010101" pitchFamily="34" charset="-127"/>
               </a:rPr>
               <a:t>        ↓</a:t>
             </a:r>
@@ -5493,6 +5531,8 @@
                     <a:lumOff val="80000"/>
                   </a:schemeClr>
                 </a:solidFill>
+                <a:latin typeface="나눔스퀘어OTF" panose="020B0600000101010101" pitchFamily="34" charset="-127"/>
+                <a:ea typeface="나눔스퀘어OTF" panose="020B0600000101010101" pitchFamily="34" charset="-127"/>
               </a:rPr>
               <a:t>[정형화된 문장으로 출력]</a:t>
             </a:r>
@@ -5506,6 +5546,8 @@
                     <a:lumOff val="80000"/>
                   </a:schemeClr>
                 </a:solidFill>
+                <a:latin typeface="나눔스퀘어OTF" panose="020B0600000101010101" pitchFamily="34" charset="-127"/>
+                <a:ea typeface="나눔스퀘어OTF" panose="020B0600000101010101" pitchFamily="34" charset="-127"/>
               </a:rPr>
               <a:t>        ↓</a:t>
             </a:r>
@@ -5519,6 +5561,8 @@
                     <a:lumOff val="80000"/>
                   </a:schemeClr>
                 </a:solidFill>
+                <a:latin typeface="나눔스퀘어OTF" panose="020B0600000101010101" pitchFamily="34" charset="-127"/>
+                <a:ea typeface="나눔스퀘어OTF" panose="020B0600000101010101" pitchFamily="34" charset="-127"/>
               </a:rPr>
               <a:t>[사용자에게 전달]</a:t>
             </a:r>
@@ -5554,7 +5598,10 @@
           <a:lstStyle/>
           <a:p>
             <a:r>
-              <a:rPr lang="ko-KR" altLang="en-US" sz="2400" dirty="0"/>
+              <a:rPr lang="ko-KR" altLang="en-US" sz="2400" dirty="0">
+                <a:latin typeface="나눔스퀘어OTF" panose="020B0600000101010101" pitchFamily="34" charset="-127"/>
+                <a:ea typeface="나눔스퀘어OTF" panose="020B0600000101010101" pitchFamily="34" charset="-127"/>
+              </a:rPr>
               <a:t>💰 기대효과</a:t>
             </a:r>
           </a:p>
@@ -5619,66 +5666,111 @@
           <a:lstStyle/>
           <a:p>
             <a:r>
-              <a:rPr lang="en-US" altLang="ko-KR" b="1" dirty="0"/>
+              <a:rPr lang="en-US" altLang="ko-KR" b="1" dirty="0">
+                <a:latin typeface="나눔스퀘어OTF" panose="020B0600000101010101" pitchFamily="34" charset="-127"/>
+                <a:ea typeface="나눔스퀘어OTF" panose="020B0600000101010101" pitchFamily="34" charset="-127"/>
+              </a:rPr>
               <a:t>-</a:t>
             </a:r>
             <a:r>
-              <a:rPr lang="ko-KR" altLang="en-US" b="1" dirty="0"/>
+              <a:rPr lang="ko-KR" altLang="en-US" b="1" dirty="0">
+                <a:latin typeface="나눔스퀘어OTF" panose="020B0600000101010101" pitchFamily="34" charset="-127"/>
+                <a:ea typeface="나눔스퀘어OTF" panose="020B0600000101010101" pitchFamily="34" charset="-127"/>
+              </a:rPr>
               <a:t>고객 문의에 </a:t>
             </a:r>
             <a:r>
-              <a:rPr lang="en-US" altLang="ko-KR" b="1" dirty="0"/>
+              <a:rPr lang="en-US" altLang="ko-KR" b="1" dirty="0">
+                <a:latin typeface="나눔스퀘어OTF" panose="020B0600000101010101" pitchFamily="34" charset="-127"/>
+                <a:ea typeface="나눔스퀘어OTF" panose="020B0600000101010101" pitchFamily="34" charset="-127"/>
+              </a:rPr>
               <a:t>AI </a:t>
             </a:r>
             <a:r>
-              <a:rPr lang="ko-KR" altLang="en-US" b="1" dirty="0"/>
+              <a:rPr lang="ko-KR" altLang="en-US" b="1" dirty="0">
+                <a:latin typeface="나눔스퀘어OTF" panose="020B0600000101010101" pitchFamily="34" charset="-127"/>
+                <a:ea typeface="나눔스퀘어OTF" panose="020B0600000101010101" pitchFamily="34" charset="-127"/>
+              </a:rPr>
               <a:t>기반 실시간 응답 구현</a:t>
             </a:r>
           </a:p>
           <a:p>
-            <a:endParaRPr lang="ko-KR" altLang="en-US" b="1" dirty="0"/>
-          </a:p>
-          <a:p>
-            <a:r>
-              <a:rPr lang="en-US" altLang="ko-KR" b="1" dirty="0"/>
+            <a:endParaRPr lang="ko-KR" altLang="en-US" b="1" dirty="0">
+              <a:latin typeface="나눔스퀘어OTF" panose="020B0600000101010101" pitchFamily="34" charset="-127"/>
+              <a:ea typeface="나눔스퀘어OTF" panose="020B0600000101010101" pitchFamily="34" charset="-127"/>
+            </a:endParaRPr>
+          </a:p>
+          <a:p>
+            <a:r>
+              <a:rPr lang="en-US" altLang="ko-KR" b="1" dirty="0">
+                <a:latin typeface="나눔스퀘어OTF" panose="020B0600000101010101" pitchFamily="34" charset="-127"/>
+                <a:ea typeface="나눔스퀘어OTF" panose="020B0600000101010101" pitchFamily="34" charset="-127"/>
+              </a:rPr>
               <a:t>-</a:t>
             </a:r>
             <a:r>
-              <a:rPr lang="ko-KR" altLang="en-US" b="1" dirty="0"/>
+              <a:rPr lang="ko-KR" altLang="en-US" b="1" dirty="0">
+                <a:latin typeface="나눔스퀘어OTF" panose="020B0600000101010101" pitchFamily="34" charset="-127"/>
+                <a:ea typeface="나눔스퀘어OTF" panose="020B0600000101010101" pitchFamily="34" charset="-127"/>
+              </a:rPr>
               <a:t>기존 </a:t>
             </a:r>
             <a:r>
-              <a:rPr lang="en-US" altLang="ko-KR" b="1" dirty="0"/>
+              <a:rPr lang="en-US" altLang="ko-KR" b="1" dirty="0">
+                <a:latin typeface="나눔스퀘어OTF" panose="020B0600000101010101" pitchFamily="34" charset="-127"/>
+                <a:ea typeface="나눔스퀘어OTF" panose="020B0600000101010101" pitchFamily="34" charset="-127"/>
+              </a:rPr>
               <a:t>FAQ </a:t>
             </a:r>
             <a:r>
-              <a:rPr lang="ko-KR" altLang="en-US" b="1" dirty="0"/>
+              <a:rPr lang="ko-KR" altLang="en-US" b="1" dirty="0">
+                <a:latin typeface="나눔스퀘어OTF" panose="020B0600000101010101" pitchFamily="34" charset="-127"/>
+                <a:ea typeface="나눔스퀘어OTF" panose="020B0600000101010101" pitchFamily="34" charset="-127"/>
+              </a:rPr>
               <a:t>자료를 데이터베이스화</a:t>
             </a:r>
           </a:p>
           <a:p>
-            <a:endParaRPr lang="ko-KR" altLang="en-US" b="1" dirty="0"/>
-          </a:p>
-          <a:p>
-            <a:r>
-              <a:rPr lang="en-US" altLang="ko-KR" b="1" dirty="0"/>
+            <a:endParaRPr lang="ko-KR" altLang="en-US" b="1" dirty="0">
+              <a:latin typeface="나눔스퀘어OTF" panose="020B0600000101010101" pitchFamily="34" charset="-127"/>
+              <a:ea typeface="나눔스퀘어OTF" panose="020B0600000101010101" pitchFamily="34" charset="-127"/>
+            </a:endParaRPr>
+          </a:p>
+          <a:p>
+            <a:r>
+              <a:rPr lang="en-US" altLang="ko-KR" b="1" dirty="0">
+                <a:latin typeface="나눔스퀘어OTF" panose="020B0600000101010101" pitchFamily="34" charset="-127"/>
+                <a:ea typeface="나눔스퀘어OTF" panose="020B0600000101010101" pitchFamily="34" charset="-127"/>
+              </a:rPr>
               <a:t>-</a:t>
             </a:r>
             <a:r>
-              <a:rPr lang="ko-KR" altLang="en-US" b="1" dirty="0"/>
+              <a:rPr lang="ko-KR" altLang="en-US" b="1" dirty="0">
+                <a:latin typeface="나눔스퀘어OTF" panose="020B0600000101010101" pitchFamily="34" charset="-127"/>
+                <a:ea typeface="나눔스퀘어OTF" panose="020B0600000101010101" pitchFamily="34" charset="-127"/>
+              </a:rPr>
               <a:t>누구나 일관되고 빠른 응대 가능</a:t>
             </a:r>
           </a:p>
           <a:p>
-            <a:endParaRPr lang="ko-KR" altLang="en-US" b="1" dirty="0"/>
-          </a:p>
-          <a:p>
-            <a:r>
-              <a:rPr lang="en-US" altLang="ko-KR" b="1" dirty="0"/>
+            <a:endParaRPr lang="ko-KR" altLang="en-US" b="1" dirty="0">
+              <a:latin typeface="나눔스퀘어OTF" panose="020B0600000101010101" pitchFamily="34" charset="-127"/>
+              <a:ea typeface="나눔스퀘어OTF" panose="020B0600000101010101" pitchFamily="34" charset="-127"/>
+            </a:endParaRPr>
+          </a:p>
+          <a:p>
+            <a:r>
+              <a:rPr lang="en-US" altLang="ko-KR" b="1" dirty="0">
+                <a:latin typeface="나눔스퀘어OTF" panose="020B0600000101010101" pitchFamily="34" charset="-127"/>
+                <a:ea typeface="나눔스퀘어OTF" panose="020B0600000101010101" pitchFamily="34" charset="-127"/>
+              </a:rPr>
               <a:t>-</a:t>
             </a:r>
             <a:r>
-              <a:rPr lang="ko-KR" altLang="en-US" b="1" dirty="0"/>
+              <a:rPr lang="ko-KR" altLang="en-US" b="1" dirty="0">
+                <a:latin typeface="나눔스퀘어OTF" panose="020B0600000101010101" pitchFamily="34" charset="-127"/>
+                <a:ea typeface="나눔스퀘어OTF" panose="020B0600000101010101" pitchFamily="34" charset="-127"/>
+              </a:rPr>
               <a:t>상담원의 업무 효율성 극대화</a:t>
             </a:r>
           </a:p>
